--- a/PDFs/Representación Procesador.pptx
+++ b/PDFs/Representación Procesador.pptx
@@ -3270,14 +3270,11 @@
                 <a:avLst/>
               </a:prstGeom>
               <a:solidFill>
-                <a:schemeClr val="tx1">
-                  <a:lumMod val="50000"/>
-                  <a:lumOff val="50000"/>
-                </a:schemeClr>
+                <a:srgbClr val="FF0000"/>
               </a:solidFill>
               <a:ln>
                 <a:solidFill>
-                  <a:schemeClr val="tx1"/>
+                  <a:srgbClr val="C00000"/>
                 </a:solidFill>
               </a:ln>
             </p:spPr>
@@ -10710,16 +10707,122 @@
           <a:lstStyle/>
           <a:p>
             <a:r>
+              <a:rPr lang="en-US" dirty="0" smtClean="0"/>
+              <a:t>Instruction Fetch</a:t>
+            </a:r>
+            <a:endParaRPr lang="en-US" dirty="0"/>
+          </a:p>
+        </p:txBody>
+      </p:sp>
+      <p:sp>
+        <p:nvSpPr>
+          <p:cNvPr id="71" name="70 CuadroTexto"/>
+          <p:cNvSpPr txBox="1"/>
+          <p:nvPr/>
+        </p:nvSpPr>
+        <p:spPr>
+          <a:xfrm>
+            <a:off x="571472" y="3571876"/>
+            <a:ext cx="947695" cy="369332"/>
+          </a:xfrm>
+          <a:prstGeom prst="rect">
+            <a:avLst/>
+          </a:prstGeom>
+          <a:noFill/>
+        </p:spPr>
+        <p:txBody>
+          <a:bodyPr wrap="none" rtlCol="0">
+            <a:spAutoFit/>
+          </a:bodyPr>
+          <a:lstStyle/>
+          <a:p>
+            <a:r>
+              <a:rPr lang="es-ES" dirty="0" smtClean="0"/>
+              <a:t>&lt;</a:t>
+            </a:r>
+            <a:r>
               <a:rPr lang="es-ES" dirty="0" err="1" smtClean="0"/>
-              <a:t>Instruction</a:t>
+              <a:t>in_PC</a:t>
             </a:r>
             <a:r>
               <a:rPr lang="es-ES" dirty="0" smtClean="0"/>
-              <a:t> </a:t>
+              <a:t>&gt;</a:t>
+            </a:r>
+            <a:endParaRPr lang="es-ES" dirty="0"/>
+          </a:p>
+        </p:txBody>
+      </p:sp>
+      <p:sp>
+        <p:nvSpPr>
+          <p:cNvPr id="72" name="71 CuadroTexto"/>
+          <p:cNvSpPr txBox="1"/>
+          <p:nvPr/>
+        </p:nvSpPr>
+        <p:spPr>
+          <a:xfrm>
+            <a:off x="7358082" y="3000372"/>
+            <a:ext cx="1093569" cy="369332"/>
+          </a:xfrm>
+          <a:prstGeom prst="rect">
+            <a:avLst/>
+          </a:prstGeom>
+          <a:noFill/>
+        </p:spPr>
+        <p:txBody>
+          <a:bodyPr wrap="none" rtlCol="0">
+            <a:spAutoFit/>
+          </a:bodyPr>
+          <a:lstStyle/>
+          <a:p>
+            <a:r>
+              <a:rPr lang="es-ES" dirty="0" smtClean="0"/>
+              <a:t>&lt;</a:t>
             </a:r>
             <a:r>
               <a:rPr lang="es-ES" dirty="0" err="1" smtClean="0"/>
-              <a:t>Fetch</a:t>
+              <a:t>out_PC</a:t>
+            </a:r>
+            <a:r>
+              <a:rPr lang="es-ES" dirty="0" smtClean="0"/>
+              <a:t>&gt;</a:t>
+            </a:r>
+            <a:endParaRPr lang="es-ES" dirty="0"/>
+          </a:p>
+        </p:txBody>
+      </p:sp>
+      <p:sp>
+        <p:nvSpPr>
+          <p:cNvPr id="73" name="72 CuadroTexto"/>
+          <p:cNvSpPr txBox="1"/>
+          <p:nvPr/>
+        </p:nvSpPr>
+        <p:spPr>
+          <a:xfrm>
+            <a:off x="7429520" y="4643446"/>
+            <a:ext cx="1190390" cy="369332"/>
+          </a:xfrm>
+          <a:prstGeom prst="rect">
+            <a:avLst/>
+          </a:prstGeom>
+          <a:noFill/>
+        </p:spPr>
+        <p:txBody>
+          <a:bodyPr wrap="none" rtlCol="0">
+            <a:spAutoFit/>
+          </a:bodyPr>
+          <a:lstStyle/>
+          <a:p>
+            <a:r>
+              <a:rPr lang="es-ES" dirty="0" smtClean="0"/>
+              <a:t>&lt;</a:t>
+            </a:r>
+            <a:r>
+              <a:rPr lang="es-ES" dirty="0" err="1" smtClean="0"/>
+              <a:t>out_inst</a:t>
+            </a:r>
+            <a:r>
+              <a:rPr lang="es-ES" dirty="0" smtClean="0"/>
+              <a:t>&gt;</a:t>
             </a:r>
             <a:endParaRPr lang="es-ES" dirty="0"/>
           </a:p>
@@ -10773,18 +10876,10 @@
           <a:lstStyle/>
           <a:p>
             <a:r>
-              <a:rPr lang="es-ES" dirty="0" err="1" smtClean="0"/>
-              <a:t>Instruction</a:t>
+              <a:rPr lang="en-US" dirty="0" smtClean="0"/>
+              <a:t>Instruction Decode</a:t>
             </a:r>
-            <a:r>
-              <a:rPr lang="es-ES" dirty="0" smtClean="0"/>
-              <a:t> </a:t>
-            </a:r>
-            <a:r>
-              <a:rPr lang="es-ES" dirty="0" err="1" smtClean="0"/>
-              <a:t>Decode</a:t>
-            </a:r>
-            <a:endParaRPr lang="es-ES" dirty="0"/>
+            <a:endParaRPr lang="en-US" dirty="0"/>
           </a:p>
         </p:txBody>
       </p:sp>
@@ -12406,7 +12501,7 @@
         </p:nvGrpSpPr>
         <p:grpSpPr>
           <a:xfrm>
-            <a:off x="1928794" y="1357298"/>
+            <a:off x="1714480" y="1714488"/>
             <a:ext cx="6429420" cy="5000660"/>
             <a:chOff x="1928794" y="1357298"/>
             <a:chExt cx="6429420" cy="5000660"/>
@@ -12528,6 +12623,9 @@
                 <a:avLst/>
               </a:prstGeom>
               <a:ln w="28575">
+                <a:solidFill>
+                  <a:srgbClr val="FF0000"/>
+                </a:solidFill>
                 <a:tailEnd type="arrow"/>
               </a:ln>
             </p:spPr>
@@ -12561,6 +12659,9 @@
                 <a:avLst/>
               </a:prstGeom>
               <a:ln w="28575">
+                <a:solidFill>
+                  <a:srgbClr val="FF0000"/>
+                </a:solidFill>
                 <a:tailEnd type="arrow"/>
               </a:ln>
             </p:spPr>
@@ -12594,6 +12695,9 @@
                 <a:avLst/>
               </a:prstGeom>
               <a:ln w="28575">
+                <a:solidFill>
+                  <a:srgbClr val="FF0000"/>
+                </a:solidFill>
                 <a:tailEnd type="arrow"/>
               </a:ln>
             </p:spPr>
@@ -13742,6 +13846,490 @@
           </p:cxnSp>
         </p:grpSp>
       </p:grpSp>
+      <p:sp>
+        <p:nvSpPr>
+          <p:cNvPr id="156" name="155 CuadroTexto"/>
+          <p:cNvSpPr txBox="1"/>
+          <p:nvPr/>
+        </p:nvSpPr>
+        <p:spPr>
+          <a:xfrm>
+            <a:off x="571472" y="4000504"/>
+            <a:ext cx="1044517" cy="369332"/>
+          </a:xfrm>
+          <a:prstGeom prst="rect">
+            <a:avLst/>
+          </a:prstGeom>
+          <a:noFill/>
+        </p:spPr>
+        <p:txBody>
+          <a:bodyPr wrap="none" rtlCol="0">
+            <a:spAutoFit/>
+          </a:bodyPr>
+          <a:lstStyle/>
+          <a:p>
+            <a:r>
+              <a:rPr lang="es-ES" dirty="0" smtClean="0"/>
+              <a:t>&lt;</a:t>
+            </a:r>
+            <a:r>
+              <a:rPr lang="es-ES" dirty="0" err="1" smtClean="0"/>
+              <a:t>in_inst</a:t>
+            </a:r>
+            <a:r>
+              <a:rPr lang="es-ES" dirty="0" smtClean="0"/>
+              <a:t>&gt;</a:t>
+            </a:r>
+            <a:endParaRPr lang="es-ES" dirty="0"/>
+          </a:p>
+        </p:txBody>
+      </p:sp>
+      <p:sp>
+        <p:nvSpPr>
+          <p:cNvPr id="157" name="156 CuadroTexto"/>
+          <p:cNvSpPr txBox="1"/>
+          <p:nvPr/>
+        </p:nvSpPr>
+        <p:spPr>
+          <a:xfrm>
+            <a:off x="7500958" y="2143116"/>
+            <a:ext cx="1777354" cy="369332"/>
+          </a:xfrm>
+          <a:prstGeom prst="rect">
+            <a:avLst/>
+          </a:prstGeom>
+          <a:noFill/>
+        </p:spPr>
+        <p:txBody>
+          <a:bodyPr wrap="square" rtlCol="0">
+            <a:spAutoFit/>
+          </a:bodyPr>
+          <a:lstStyle/>
+          <a:p>
+            <a:r>
+              <a:rPr lang="es-ES" dirty="0" smtClean="0"/>
+              <a:t>&lt;</a:t>
+            </a:r>
+            <a:r>
+              <a:rPr lang="es-ES" dirty="0" err="1" smtClean="0"/>
+              <a:t>out_mem_ctr</a:t>
+            </a:r>
+            <a:r>
+              <a:rPr lang="es-ES" dirty="0" smtClean="0"/>
+              <a:t>&gt;</a:t>
+            </a:r>
+            <a:endParaRPr lang="es-ES" dirty="0"/>
+          </a:p>
+        </p:txBody>
+      </p:sp>
+      <p:sp>
+        <p:nvSpPr>
+          <p:cNvPr id="158" name="157 CuadroTexto"/>
+          <p:cNvSpPr txBox="1"/>
+          <p:nvPr/>
+        </p:nvSpPr>
+        <p:spPr>
+          <a:xfrm>
+            <a:off x="7500958" y="1857364"/>
+            <a:ext cx="1508746" cy="369332"/>
+          </a:xfrm>
+          <a:prstGeom prst="rect">
+            <a:avLst/>
+          </a:prstGeom>
+          <a:noFill/>
+        </p:spPr>
+        <p:txBody>
+          <a:bodyPr wrap="none" rtlCol="0">
+            <a:spAutoFit/>
+          </a:bodyPr>
+          <a:lstStyle/>
+          <a:p>
+            <a:r>
+              <a:rPr lang="es-ES" dirty="0" smtClean="0"/>
+              <a:t>&lt;</a:t>
+            </a:r>
+            <a:r>
+              <a:rPr lang="es-ES" dirty="0" err="1" smtClean="0"/>
+              <a:t>out_wb_ctr</a:t>
+            </a:r>
+            <a:r>
+              <a:rPr lang="es-ES" dirty="0" smtClean="0"/>
+              <a:t>&gt;</a:t>
+            </a:r>
+            <a:endParaRPr lang="es-ES" dirty="0"/>
+          </a:p>
+        </p:txBody>
+      </p:sp>
+      <p:sp>
+        <p:nvSpPr>
+          <p:cNvPr id="159" name="158 CuadroTexto"/>
+          <p:cNvSpPr txBox="1"/>
+          <p:nvPr/>
+        </p:nvSpPr>
+        <p:spPr>
+          <a:xfrm>
+            <a:off x="7500958" y="3357562"/>
+            <a:ext cx="1317990" cy="369332"/>
+          </a:xfrm>
+          <a:prstGeom prst="rect">
+            <a:avLst/>
+          </a:prstGeom>
+          <a:noFill/>
+        </p:spPr>
+        <p:txBody>
+          <a:bodyPr wrap="none" rtlCol="0">
+            <a:spAutoFit/>
+          </a:bodyPr>
+          <a:lstStyle/>
+          <a:p>
+            <a:r>
+              <a:rPr lang="es-ES" dirty="0" smtClean="0"/>
+              <a:t>&lt;</a:t>
+            </a:r>
+            <a:r>
+              <a:rPr lang="es-ES" dirty="0" err="1" smtClean="0"/>
+              <a:t>out_busA</a:t>
+            </a:r>
+            <a:r>
+              <a:rPr lang="es-ES" dirty="0" smtClean="0"/>
+              <a:t>&gt;</a:t>
+            </a:r>
+            <a:endParaRPr lang="es-ES" dirty="0"/>
+          </a:p>
+        </p:txBody>
+      </p:sp>
+      <p:sp>
+        <p:nvSpPr>
+          <p:cNvPr id="160" name="159 CuadroTexto"/>
+          <p:cNvSpPr txBox="1"/>
+          <p:nvPr/>
+        </p:nvSpPr>
+        <p:spPr>
+          <a:xfrm>
+            <a:off x="7500958" y="2428868"/>
+            <a:ext cx="1643042" cy="369332"/>
+          </a:xfrm>
+          <a:prstGeom prst="rect">
+            <a:avLst/>
+          </a:prstGeom>
+          <a:noFill/>
+        </p:spPr>
+        <p:txBody>
+          <a:bodyPr wrap="square" rtlCol="0">
+            <a:spAutoFit/>
+          </a:bodyPr>
+          <a:lstStyle/>
+          <a:p>
+            <a:r>
+              <a:rPr lang="es-ES" dirty="0" smtClean="0"/>
+              <a:t>&lt;</a:t>
+            </a:r>
+            <a:r>
+              <a:rPr lang="es-ES" dirty="0" err="1" smtClean="0"/>
+              <a:t>out_exe_ctr</a:t>
+            </a:r>
+            <a:r>
+              <a:rPr lang="es-ES" dirty="0" smtClean="0"/>
+              <a:t>&gt;</a:t>
+            </a:r>
+            <a:endParaRPr lang="es-ES" dirty="0"/>
+          </a:p>
+        </p:txBody>
+      </p:sp>
+      <p:sp>
+        <p:nvSpPr>
+          <p:cNvPr id="161" name="160 CuadroTexto"/>
+          <p:cNvSpPr txBox="1"/>
+          <p:nvPr/>
+        </p:nvSpPr>
+        <p:spPr>
+          <a:xfrm>
+            <a:off x="7500958" y="3643314"/>
+            <a:ext cx="1309974" cy="369332"/>
+          </a:xfrm>
+          <a:prstGeom prst="rect">
+            <a:avLst/>
+          </a:prstGeom>
+          <a:noFill/>
+        </p:spPr>
+        <p:txBody>
+          <a:bodyPr wrap="none" rtlCol="0">
+            <a:spAutoFit/>
+          </a:bodyPr>
+          <a:lstStyle/>
+          <a:p>
+            <a:r>
+              <a:rPr lang="es-ES" dirty="0" smtClean="0"/>
+              <a:t>&lt;</a:t>
+            </a:r>
+            <a:r>
+              <a:rPr lang="es-ES" dirty="0" err="1" smtClean="0"/>
+              <a:t>out_busB</a:t>
+            </a:r>
+            <a:r>
+              <a:rPr lang="es-ES" dirty="0" smtClean="0"/>
+              <a:t>&gt;</a:t>
+            </a:r>
+            <a:endParaRPr lang="es-ES" dirty="0"/>
+          </a:p>
+        </p:txBody>
+      </p:sp>
+      <p:sp>
+        <p:nvSpPr>
+          <p:cNvPr id="162" name="161 CuadroTexto"/>
+          <p:cNvSpPr txBox="1"/>
+          <p:nvPr/>
+        </p:nvSpPr>
+        <p:spPr>
+          <a:xfrm>
+            <a:off x="7500958" y="4714884"/>
+            <a:ext cx="1474763" cy="369332"/>
+          </a:xfrm>
+          <a:prstGeom prst="rect">
+            <a:avLst/>
+          </a:prstGeom>
+          <a:noFill/>
+        </p:spPr>
+        <p:txBody>
+          <a:bodyPr wrap="none" rtlCol="0">
+            <a:spAutoFit/>
+          </a:bodyPr>
+          <a:lstStyle/>
+          <a:p>
+            <a:r>
+              <a:rPr lang="es-ES" dirty="0" smtClean="0"/>
+              <a:t>&lt;</a:t>
+            </a:r>
+            <a:r>
+              <a:rPr lang="es-ES" dirty="0" err="1" smtClean="0"/>
+              <a:t>out_entero</a:t>
+            </a:r>
+            <a:r>
+              <a:rPr lang="es-ES" dirty="0" smtClean="0"/>
+              <a:t>&gt;</a:t>
+            </a:r>
+            <a:endParaRPr lang="es-ES" dirty="0"/>
+          </a:p>
+        </p:txBody>
+      </p:sp>
+      <p:sp>
+        <p:nvSpPr>
+          <p:cNvPr id="163" name="162 CuadroTexto"/>
+          <p:cNvSpPr txBox="1"/>
+          <p:nvPr/>
+        </p:nvSpPr>
+        <p:spPr>
+          <a:xfrm>
+            <a:off x="7500958" y="5786454"/>
+            <a:ext cx="1358257" cy="369332"/>
+          </a:xfrm>
+          <a:prstGeom prst="rect">
+            <a:avLst/>
+          </a:prstGeom>
+          <a:noFill/>
+        </p:spPr>
+        <p:txBody>
+          <a:bodyPr wrap="none" rtlCol="0">
+            <a:spAutoFit/>
+          </a:bodyPr>
+          <a:lstStyle/>
+          <a:p>
+            <a:r>
+              <a:rPr lang="es-ES" dirty="0" smtClean="0"/>
+              <a:t>&lt;</a:t>
+            </a:r>
+            <a:r>
+              <a:rPr lang="es-ES" dirty="0" err="1" smtClean="0"/>
+              <a:t>out_regW</a:t>
+            </a:r>
+            <a:r>
+              <a:rPr lang="es-ES" dirty="0" smtClean="0"/>
+              <a:t>&gt;</a:t>
+            </a:r>
+            <a:endParaRPr lang="es-ES" dirty="0"/>
+          </a:p>
+        </p:txBody>
+      </p:sp>
+      <p:cxnSp>
+        <p:nvCxnSpPr>
+          <p:cNvPr id="164" name="163 Conector recto de flecha"/>
+          <p:cNvCxnSpPr/>
+          <p:nvPr/>
+        </p:nvCxnSpPr>
+        <p:spPr>
+          <a:xfrm rot="5400000" flipH="1" flipV="1">
+            <a:off x="3608381" y="4249743"/>
+            <a:ext cx="214314" cy="1588"/>
+          </a:xfrm>
+          <a:prstGeom prst="straightConnector1">
+            <a:avLst/>
+          </a:prstGeom>
+          <a:ln w="12700">
+            <a:solidFill>
+              <a:srgbClr val="FF0000"/>
+            </a:solidFill>
+            <a:tailEnd type="arrow"/>
+          </a:ln>
+        </p:spPr>
+        <p:style>
+          <a:lnRef idx="1">
+            <a:schemeClr val="accent1"/>
+          </a:lnRef>
+          <a:fillRef idx="0">
+            <a:schemeClr val="accent1"/>
+          </a:fillRef>
+          <a:effectRef idx="0">
+            <a:schemeClr val="accent1"/>
+          </a:effectRef>
+          <a:fontRef idx="minor">
+            <a:schemeClr val="tx1"/>
+          </a:fontRef>
+        </p:style>
+      </p:cxnSp>
+      <p:cxnSp>
+        <p:nvCxnSpPr>
+          <p:cNvPr id="165" name="164 Conector recto de flecha"/>
+          <p:cNvCxnSpPr/>
+          <p:nvPr/>
+        </p:nvCxnSpPr>
+        <p:spPr>
+          <a:xfrm rot="5400000">
+            <a:off x="4322761" y="5821379"/>
+            <a:ext cx="214314" cy="1588"/>
+          </a:xfrm>
+          <a:prstGeom prst="straightConnector1">
+            <a:avLst/>
+          </a:prstGeom>
+          <a:ln w="12700">
+            <a:solidFill>
+              <a:srgbClr val="FF0000"/>
+            </a:solidFill>
+            <a:tailEnd type="arrow"/>
+          </a:ln>
+        </p:spPr>
+        <p:style>
+          <a:lnRef idx="1">
+            <a:schemeClr val="accent1"/>
+          </a:lnRef>
+          <a:fillRef idx="0">
+            <a:schemeClr val="accent1"/>
+          </a:fillRef>
+          <a:effectRef idx="0">
+            <a:schemeClr val="accent1"/>
+          </a:effectRef>
+          <a:fontRef idx="minor">
+            <a:schemeClr val="tx1"/>
+          </a:fontRef>
+        </p:style>
+      </p:cxnSp>
+      <p:sp>
+        <p:nvSpPr>
+          <p:cNvPr id="167" name="166 CuadroTexto"/>
+          <p:cNvSpPr txBox="1"/>
+          <p:nvPr/>
+        </p:nvSpPr>
+        <p:spPr>
+          <a:xfrm>
+            <a:off x="3773482" y="5522927"/>
+            <a:ext cx="912429" cy="261610"/>
+          </a:xfrm>
+          <a:prstGeom prst="rect">
+            <a:avLst/>
+          </a:prstGeom>
+          <a:noFill/>
+        </p:spPr>
+        <p:txBody>
+          <a:bodyPr wrap="none" rtlCol="0">
+            <a:spAutoFit/>
+          </a:bodyPr>
+          <a:lstStyle/>
+          <a:p>
+            <a:r>
+              <a:rPr lang="es-ES" sz="1100" dirty="0" smtClean="0">
+                <a:solidFill>
+                  <a:srgbClr val="FF0000"/>
+                </a:solidFill>
+              </a:rPr>
+              <a:t>&lt;</a:t>
+            </a:r>
+            <a:r>
+              <a:rPr lang="es-ES" sz="1100" dirty="0" err="1" smtClean="0">
+                <a:solidFill>
+                  <a:srgbClr val="FF0000"/>
+                </a:solidFill>
+              </a:rPr>
+              <a:t>ctr_regdst</a:t>
+            </a:r>
+            <a:r>
+              <a:rPr lang="es-ES" sz="1100" dirty="0" smtClean="0">
+                <a:solidFill>
+                  <a:srgbClr val="FF0000"/>
+                </a:solidFill>
+              </a:rPr>
+              <a:t>&gt;</a:t>
+            </a:r>
+            <a:endParaRPr lang="es-ES" sz="1100" dirty="0">
+              <a:solidFill>
+                <a:srgbClr val="FF0000"/>
+              </a:solidFill>
+            </a:endParaRPr>
+          </a:p>
+        </p:txBody>
+      </p:sp>
+      <p:sp>
+        <p:nvSpPr>
+          <p:cNvPr id="168" name="167 CuadroTexto"/>
+          <p:cNvSpPr txBox="1"/>
+          <p:nvPr/>
+        </p:nvSpPr>
+        <p:spPr>
+          <a:xfrm>
+            <a:off x="3214678" y="4357694"/>
+            <a:ext cx="901209" cy="261610"/>
+          </a:xfrm>
+          <a:prstGeom prst="rect">
+            <a:avLst/>
+          </a:prstGeom>
+          <a:noFill/>
+        </p:spPr>
+        <p:txBody>
+          <a:bodyPr wrap="none" rtlCol="0">
+            <a:spAutoFit/>
+          </a:bodyPr>
+          <a:lstStyle/>
+          <a:p>
+            <a:r>
+              <a:rPr lang="es-ES" sz="1100" dirty="0" smtClean="0">
+                <a:solidFill>
+                  <a:srgbClr val="FF0000"/>
+                </a:solidFill>
+              </a:rPr>
+              <a:t>&lt;</a:t>
+            </a:r>
+            <a:r>
+              <a:rPr lang="es-ES" sz="1100" dirty="0" err="1" smtClean="0">
+                <a:solidFill>
+                  <a:srgbClr val="FF0000"/>
+                </a:solidFill>
+              </a:rPr>
+              <a:t>ctr_regsrc</a:t>
+            </a:r>
+            <a:r>
+              <a:rPr lang="es-ES" sz="1100" dirty="0" smtClean="0">
+                <a:solidFill>
+                  <a:srgbClr val="FF0000"/>
+                </a:solidFill>
+              </a:rPr>
+              <a:t>&gt;</a:t>
+            </a:r>
+            <a:endParaRPr lang="es-ES" sz="1100" dirty="0">
+              <a:solidFill>
+                <a:srgbClr val="FF0000"/>
+              </a:solidFill>
+            </a:endParaRPr>
+          </a:p>
+        </p:txBody>
+      </p:sp>
     </p:spTree>
   </p:cSld>
   <p:clrMapOvr>
@@ -13767,342 +14355,6 @@
           <a:chExt cx="0" cy="0"/>
         </a:xfrm>
       </p:grpSpPr>
-      <p:grpSp>
-        <p:nvGrpSpPr>
-          <p:cNvPr id="112" name="111 Grupo"/>
-          <p:cNvGrpSpPr/>
-          <p:nvPr/>
-        </p:nvGrpSpPr>
-        <p:grpSpPr>
-          <a:xfrm>
-            <a:off x="2786050" y="1643050"/>
-            <a:ext cx="5357850" cy="4500594"/>
-            <a:chOff x="2786050" y="1643050"/>
-            <a:chExt cx="5357850" cy="4500594"/>
-          </a:xfrm>
-        </p:grpSpPr>
-        <p:sp>
-          <p:nvSpPr>
-            <p:cNvPr id="8" name="3 Rectángulo"/>
-            <p:cNvSpPr/>
-            <p:nvPr/>
-          </p:nvSpPr>
-          <p:spPr>
-            <a:xfrm>
-              <a:off x="3357554" y="2214554"/>
-              <a:ext cx="4214842" cy="3929090"/>
-            </a:xfrm>
-            <a:prstGeom prst="rect">
-              <a:avLst/>
-            </a:prstGeom>
-            <a:solidFill>
-              <a:schemeClr val="bg1">
-                <a:lumMod val="85000"/>
-              </a:schemeClr>
-            </a:solidFill>
-            <a:ln>
-              <a:solidFill>
-                <a:schemeClr val="tx1"/>
-              </a:solidFill>
-            </a:ln>
-          </p:spPr>
-          <p:style>
-            <a:lnRef idx="2">
-              <a:schemeClr val="accent1">
-                <a:shade val="50000"/>
-              </a:schemeClr>
-            </a:lnRef>
-            <a:fillRef idx="1">
-              <a:schemeClr val="accent1"/>
-            </a:fillRef>
-            <a:effectRef idx="0">
-              <a:schemeClr val="accent1"/>
-            </a:effectRef>
-            <a:fontRef idx="minor">
-              <a:schemeClr val="lt1"/>
-            </a:fontRef>
-          </p:style>
-          <p:txBody>
-            <a:bodyPr rtlCol="0" anchor="ctr"/>
-            <a:lstStyle/>
-            <a:p>
-              <a:pPr algn="ctr"/>
-              <a:endParaRPr lang="es-ES" dirty="0" smtClean="0">
-                <a:solidFill>
-                  <a:schemeClr val="tx1"/>
-                </a:solidFill>
-              </a:endParaRPr>
-            </a:p>
-          </p:txBody>
-        </p:sp>
-        <p:cxnSp>
-          <p:nvCxnSpPr>
-            <p:cNvPr id="59" name="58 Conector recto de flecha"/>
-            <p:cNvCxnSpPr/>
-            <p:nvPr/>
-          </p:nvCxnSpPr>
-          <p:spPr>
-            <a:xfrm>
-              <a:off x="2786050" y="2786058"/>
-              <a:ext cx="571504" cy="1588"/>
-            </a:xfrm>
-            <a:prstGeom prst="straightConnector1">
-              <a:avLst/>
-            </a:prstGeom>
-            <a:ln w="28575">
-              <a:tailEnd type="arrow"/>
-            </a:ln>
-          </p:spPr>
-          <p:style>
-            <a:lnRef idx="1">
-              <a:schemeClr val="accent1"/>
-            </a:lnRef>
-            <a:fillRef idx="0">
-              <a:schemeClr val="accent1"/>
-            </a:fillRef>
-            <a:effectRef idx="0">
-              <a:schemeClr val="accent1"/>
-            </a:effectRef>
-            <a:fontRef idx="minor">
-              <a:schemeClr val="tx1"/>
-            </a:fontRef>
-          </p:style>
-        </p:cxnSp>
-        <p:cxnSp>
-          <p:nvCxnSpPr>
-            <p:cNvPr id="60" name="59 Conector recto de flecha"/>
-            <p:cNvCxnSpPr/>
-            <p:nvPr/>
-          </p:nvCxnSpPr>
-          <p:spPr>
-            <a:xfrm>
-              <a:off x="2786050" y="3929066"/>
-              <a:ext cx="571504" cy="1588"/>
-            </a:xfrm>
-            <a:prstGeom prst="straightConnector1">
-              <a:avLst/>
-            </a:prstGeom>
-            <a:ln w="28575">
-              <a:tailEnd type="arrow"/>
-            </a:ln>
-          </p:spPr>
-          <p:style>
-            <a:lnRef idx="1">
-              <a:schemeClr val="accent1"/>
-            </a:lnRef>
-            <a:fillRef idx="0">
-              <a:schemeClr val="accent1"/>
-            </a:fillRef>
-            <a:effectRef idx="0">
-              <a:schemeClr val="accent1"/>
-            </a:effectRef>
-            <a:fontRef idx="minor">
-              <a:schemeClr val="tx1"/>
-            </a:fontRef>
-          </p:style>
-        </p:cxnSp>
-        <p:cxnSp>
-          <p:nvCxnSpPr>
-            <p:cNvPr id="61" name="60 Conector recto de flecha"/>
-            <p:cNvCxnSpPr/>
-            <p:nvPr/>
-          </p:nvCxnSpPr>
-          <p:spPr>
-            <a:xfrm>
-              <a:off x="2786050" y="4214818"/>
-              <a:ext cx="571504" cy="1588"/>
-            </a:xfrm>
-            <a:prstGeom prst="straightConnector1">
-              <a:avLst/>
-            </a:prstGeom>
-            <a:ln w="28575">
-              <a:tailEnd type="arrow"/>
-            </a:ln>
-          </p:spPr>
-          <p:style>
-            <a:lnRef idx="1">
-              <a:schemeClr val="accent1"/>
-            </a:lnRef>
-            <a:fillRef idx="0">
-              <a:schemeClr val="accent1"/>
-            </a:fillRef>
-            <a:effectRef idx="0">
-              <a:schemeClr val="accent1"/>
-            </a:effectRef>
-            <a:fontRef idx="minor">
-              <a:schemeClr val="tx1"/>
-            </a:fontRef>
-          </p:style>
-        </p:cxnSp>
-        <p:cxnSp>
-          <p:nvCxnSpPr>
-            <p:cNvPr id="62" name="61 Conector recto de flecha"/>
-            <p:cNvCxnSpPr/>
-            <p:nvPr/>
-          </p:nvCxnSpPr>
-          <p:spPr>
-            <a:xfrm>
-              <a:off x="2786050" y="5500702"/>
-              <a:ext cx="571504" cy="1588"/>
-            </a:xfrm>
-            <a:prstGeom prst="straightConnector1">
-              <a:avLst/>
-            </a:prstGeom>
-            <a:ln w="28575">
-              <a:tailEnd type="arrow"/>
-            </a:ln>
-          </p:spPr>
-          <p:style>
-            <a:lnRef idx="1">
-              <a:schemeClr val="accent1"/>
-            </a:lnRef>
-            <a:fillRef idx="0">
-              <a:schemeClr val="accent1"/>
-            </a:fillRef>
-            <a:effectRef idx="0">
-              <a:schemeClr val="accent1"/>
-            </a:effectRef>
-            <a:fontRef idx="minor">
-              <a:schemeClr val="tx1"/>
-            </a:fontRef>
-          </p:style>
-        </p:cxnSp>
-        <p:cxnSp>
-          <p:nvCxnSpPr>
-            <p:cNvPr id="63" name="62 Conector recto de flecha"/>
-            <p:cNvCxnSpPr/>
-            <p:nvPr/>
-          </p:nvCxnSpPr>
-          <p:spPr>
-            <a:xfrm>
-              <a:off x="3786182" y="1643050"/>
-              <a:ext cx="0" cy="572400"/>
-            </a:xfrm>
-            <a:prstGeom prst="straightConnector1">
-              <a:avLst/>
-            </a:prstGeom>
-            <a:ln w="28575">
-              <a:solidFill>
-                <a:srgbClr val="FF0000"/>
-              </a:solidFill>
-              <a:tailEnd type="arrow"/>
-            </a:ln>
-          </p:spPr>
-          <p:style>
-            <a:lnRef idx="1">
-              <a:schemeClr val="accent1"/>
-            </a:lnRef>
-            <a:fillRef idx="0">
-              <a:schemeClr val="accent1"/>
-            </a:fillRef>
-            <a:effectRef idx="0">
-              <a:schemeClr val="accent1"/>
-            </a:effectRef>
-            <a:fontRef idx="minor">
-              <a:schemeClr val="tx1"/>
-            </a:fontRef>
-          </p:style>
-        </p:cxnSp>
-        <p:cxnSp>
-          <p:nvCxnSpPr>
-            <p:cNvPr id="65" name="64 Conector recto de flecha"/>
-            <p:cNvCxnSpPr/>
-            <p:nvPr/>
-          </p:nvCxnSpPr>
-          <p:spPr>
-            <a:xfrm>
-              <a:off x="7572396" y="4357694"/>
-              <a:ext cx="571504" cy="1588"/>
-            </a:xfrm>
-            <a:prstGeom prst="straightConnector1">
-              <a:avLst/>
-            </a:prstGeom>
-            <a:ln w="28575">
-              <a:tailEnd type="arrow"/>
-            </a:ln>
-          </p:spPr>
-          <p:style>
-            <a:lnRef idx="1">
-              <a:schemeClr val="accent1"/>
-            </a:lnRef>
-            <a:fillRef idx="0">
-              <a:schemeClr val="accent1"/>
-            </a:fillRef>
-            <a:effectRef idx="0">
-              <a:schemeClr val="accent1"/>
-            </a:effectRef>
-            <a:fontRef idx="minor">
-              <a:schemeClr val="tx1"/>
-            </a:fontRef>
-          </p:style>
-        </p:cxnSp>
-        <p:cxnSp>
-          <p:nvCxnSpPr>
-            <p:cNvPr id="66" name="65 Conector recto de flecha"/>
-            <p:cNvCxnSpPr/>
-            <p:nvPr/>
-          </p:nvCxnSpPr>
-          <p:spPr>
-            <a:xfrm>
-              <a:off x="7572396" y="2786058"/>
-              <a:ext cx="571504" cy="1588"/>
-            </a:xfrm>
-            <a:prstGeom prst="straightConnector1">
-              <a:avLst/>
-            </a:prstGeom>
-            <a:ln w="28575">
-              <a:tailEnd type="arrow"/>
-            </a:ln>
-          </p:spPr>
-          <p:style>
-            <a:lnRef idx="1">
-              <a:schemeClr val="accent1"/>
-            </a:lnRef>
-            <a:fillRef idx="0">
-              <a:schemeClr val="accent1"/>
-            </a:fillRef>
-            <a:effectRef idx="0">
-              <a:schemeClr val="accent1"/>
-            </a:effectRef>
-            <a:fontRef idx="minor">
-              <a:schemeClr val="tx1"/>
-            </a:fontRef>
-          </p:style>
-        </p:cxnSp>
-        <p:cxnSp>
-          <p:nvCxnSpPr>
-            <p:cNvPr id="67" name="66 Conector recto de flecha"/>
-            <p:cNvCxnSpPr/>
-            <p:nvPr/>
-          </p:nvCxnSpPr>
-          <p:spPr>
-            <a:xfrm>
-              <a:off x="7572396" y="3429000"/>
-              <a:ext cx="571504" cy="1588"/>
-            </a:xfrm>
-            <a:prstGeom prst="straightConnector1">
-              <a:avLst/>
-            </a:prstGeom>
-            <a:ln w="28575">
-              <a:tailEnd type="arrow"/>
-            </a:ln>
-          </p:spPr>
-          <p:style>
-            <a:lnRef idx="1">
-              <a:schemeClr val="accent1"/>
-            </a:lnRef>
-            <a:fillRef idx="0">
-              <a:schemeClr val="accent1"/>
-            </a:fillRef>
-            <a:effectRef idx="0">
-              <a:schemeClr val="accent1"/>
-            </a:effectRef>
-            <a:fontRef idx="minor">
-              <a:schemeClr val="tx1"/>
-            </a:fontRef>
-          </p:style>
-        </p:cxnSp>
-      </p:grpSp>
       <p:sp>
         <p:nvSpPr>
           <p:cNvPr id="2" name="1 Título"/>
@@ -14124,10 +14376,10 @@
           <a:lstStyle/>
           <a:p>
             <a:r>
-              <a:rPr lang="es-ES" dirty="0" err="1" smtClean="0"/>
+              <a:rPr lang="en-US" dirty="0" smtClean="0"/>
               <a:t>Execution</a:t>
             </a:r>
-            <a:endParaRPr lang="es-ES" dirty="0"/>
+            <a:endParaRPr lang="en-US" dirty="0"/>
           </a:p>
         </p:txBody>
       </p:sp>
@@ -14139,7 +14391,7 @@
         </p:nvGrpSpPr>
         <p:grpSpPr>
           <a:xfrm>
-            <a:off x="30042" y="37968"/>
+            <a:off x="7119" y="32207"/>
             <a:ext cx="2428892" cy="3073701"/>
             <a:chOff x="3990975" y="1214422"/>
             <a:chExt cx="2924185" cy="3700482"/>
@@ -15383,7 +15635,7 @@
                     </p:nvCxnSpPr>
                     <p:spPr>
                       <a:xfrm>
-                        <a:off x="5715008" y="2428868"/>
+                        <a:off x="5715008" y="2428867"/>
                         <a:ext cx="357190" cy="1588"/>
                       </a:xfrm>
                       <a:prstGeom prst="line">
@@ -15476,7 +15728,7 @@
                     </p:nvCxnSpPr>
                     <p:spPr>
                       <a:xfrm rot="10800000">
-                        <a:off x="5286380" y="928670"/>
+                        <a:off x="5286380" y="928671"/>
                         <a:ext cx="642942" cy="1588"/>
                       </a:xfrm>
                       <a:prstGeom prst="straightConnector1">
@@ -15704,86 +15956,378 @@
       </p:grpSp>
       <p:grpSp>
         <p:nvGrpSpPr>
-          <p:cNvPr id="118" name="117 Grupo"/>
+          <p:cNvPr id="139" name="138 Grupo"/>
           <p:cNvGrpSpPr/>
           <p:nvPr/>
         </p:nvGrpSpPr>
         <p:grpSpPr>
           <a:xfrm>
-            <a:off x="4429124" y="3429000"/>
-            <a:ext cx="3143272" cy="1643074"/>
-            <a:chOff x="4429124" y="3429000"/>
-            <a:chExt cx="3143272" cy="1643074"/>
+            <a:off x="2428860" y="2071678"/>
+            <a:ext cx="5357850" cy="4500594"/>
+            <a:chOff x="2786050" y="1643050"/>
+            <a:chExt cx="5357850" cy="4500594"/>
           </a:xfrm>
         </p:grpSpPr>
-        <p:sp>
-          <p:nvSpPr>
-            <p:cNvPr id="69" name="68 Rectángulo"/>
-            <p:cNvSpPr/>
-            <p:nvPr/>
-          </p:nvSpPr>
-          <p:spPr>
-            <a:xfrm>
-              <a:off x="5214942" y="4071942"/>
-              <a:ext cx="1143008" cy="1000132"/>
-            </a:xfrm>
-            <a:prstGeom prst="rect">
-              <a:avLst/>
-            </a:prstGeom>
-          </p:spPr>
-          <p:style>
-            <a:lnRef idx="2">
-              <a:schemeClr val="accent1">
-                <a:shade val="50000"/>
-              </a:schemeClr>
-            </a:lnRef>
-            <a:fillRef idx="1">
-              <a:schemeClr val="accent1"/>
-            </a:fillRef>
-            <a:effectRef idx="0">
-              <a:schemeClr val="accent1"/>
-            </a:effectRef>
-            <a:fontRef idx="minor">
-              <a:schemeClr val="lt1"/>
-            </a:fontRef>
-          </p:style>
-          <p:txBody>
-            <a:bodyPr rtlCol="0" anchor="ctr"/>
-            <a:lstStyle/>
-            <a:p>
-              <a:pPr algn="ctr"/>
-              <a:r>
-                <a:rPr lang="es-ES" dirty="0" smtClean="0"/>
-                <a:t>ALU</a:t>
-              </a:r>
-              <a:endParaRPr lang="es-ES" dirty="0"/>
-            </a:p>
-          </p:txBody>
-        </p:sp>
         <p:grpSp>
           <p:nvGrpSpPr>
-            <p:cNvPr id="71" name="70 Grupo"/>
+            <p:cNvPr id="112" name="111 Grupo"/>
             <p:cNvGrpSpPr/>
             <p:nvPr/>
           </p:nvGrpSpPr>
           <p:grpSpPr>
             <a:xfrm>
-              <a:off x="4429124" y="4500570"/>
-              <a:ext cx="285752" cy="428628"/>
-              <a:chOff x="2000232" y="2857496"/>
-              <a:chExt cx="357190" cy="500066"/>
+              <a:off x="2786050" y="1643050"/>
+              <a:ext cx="5357850" cy="4500594"/>
+              <a:chOff x="2786050" y="1643050"/>
+              <a:chExt cx="5357850" cy="4500594"/>
             </a:xfrm>
           </p:grpSpPr>
           <p:sp>
             <p:nvSpPr>
-              <p:cNvPr id="72" name="71 Rectángulo"/>
+              <p:cNvPr id="8" name="3 Rectángulo"/>
               <p:cNvSpPr/>
               <p:nvPr/>
             </p:nvSpPr>
             <p:spPr>
               <a:xfrm>
-                <a:off x="2000232" y="2857496"/>
-                <a:ext cx="357190" cy="500066"/>
+                <a:off x="3357554" y="2214554"/>
+                <a:ext cx="4214842" cy="3929090"/>
+              </a:xfrm>
+              <a:prstGeom prst="rect">
+                <a:avLst/>
+              </a:prstGeom>
+              <a:solidFill>
+                <a:schemeClr val="bg1">
+                  <a:lumMod val="85000"/>
+                </a:schemeClr>
+              </a:solidFill>
+              <a:ln>
+                <a:solidFill>
+                  <a:schemeClr val="tx1"/>
+                </a:solidFill>
+              </a:ln>
+            </p:spPr>
+            <p:style>
+              <a:lnRef idx="2">
+                <a:schemeClr val="accent1">
+                  <a:shade val="50000"/>
+                </a:schemeClr>
+              </a:lnRef>
+              <a:fillRef idx="1">
+                <a:schemeClr val="accent1"/>
+              </a:fillRef>
+              <a:effectRef idx="0">
+                <a:schemeClr val="accent1"/>
+              </a:effectRef>
+              <a:fontRef idx="minor">
+                <a:schemeClr val="lt1"/>
+              </a:fontRef>
+            </p:style>
+            <p:txBody>
+              <a:bodyPr rtlCol="0" anchor="ctr"/>
+              <a:lstStyle/>
+              <a:p>
+                <a:pPr algn="ctr"/>
+                <a:endParaRPr lang="es-ES" dirty="0" smtClean="0">
+                  <a:solidFill>
+                    <a:schemeClr val="tx1"/>
+                  </a:solidFill>
+                </a:endParaRPr>
+              </a:p>
+            </p:txBody>
+          </p:sp>
+          <p:cxnSp>
+            <p:nvCxnSpPr>
+              <p:cNvPr id="59" name="58 Conector recto de flecha"/>
+              <p:cNvCxnSpPr/>
+              <p:nvPr/>
+            </p:nvCxnSpPr>
+            <p:spPr>
+              <a:xfrm>
+                <a:off x="2786050" y="2786058"/>
+                <a:ext cx="571504" cy="1588"/>
+              </a:xfrm>
+              <a:prstGeom prst="straightConnector1">
+                <a:avLst/>
+              </a:prstGeom>
+              <a:ln w="28575">
+                <a:tailEnd type="arrow"/>
+              </a:ln>
+            </p:spPr>
+            <p:style>
+              <a:lnRef idx="1">
+                <a:schemeClr val="accent1"/>
+              </a:lnRef>
+              <a:fillRef idx="0">
+                <a:schemeClr val="accent1"/>
+              </a:fillRef>
+              <a:effectRef idx="0">
+                <a:schemeClr val="accent1"/>
+              </a:effectRef>
+              <a:fontRef idx="minor">
+                <a:schemeClr val="tx1"/>
+              </a:fontRef>
+            </p:style>
+          </p:cxnSp>
+          <p:cxnSp>
+            <p:nvCxnSpPr>
+              <p:cNvPr id="60" name="59 Conector recto de flecha"/>
+              <p:cNvCxnSpPr/>
+              <p:nvPr/>
+            </p:nvCxnSpPr>
+            <p:spPr>
+              <a:xfrm>
+                <a:off x="2786050" y="3929066"/>
+                <a:ext cx="571504" cy="1588"/>
+              </a:xfrm>
+              <a:prstGeom prst="straightConnector1">
+                <a:avLst/>
+              </a:prstGeom>
+              <a:ln w="28575">
+                <a:tailEnd type="arrow"/>
+              </a:ln>
+            </p:spPr>
+            <p:style>
+              <a:lnRef idx="1">
+                <a:schemeClr val="accent1"/>
+              </a:lnRef>
+              <a:fillRef idx="0">
+                <a:schemeClr val="accent1"/>
+              </a:fillRef>
+              <a:effectRef idx="0">
+                <a:schemeClr val="accent1"/>
+              </a:effectRef>
+              <a:fontRef idx="minor">
+                <a:schemeClr val="tx1"/>
+              </a:fontRef>
+            </p:style>
+          </p:cxnSp>
+          <p:cxnSp>
+            <p:nvCxnSpPr>
+              <p:cNvPr id="61" name="60 Conector recto de flecha"/>
+              <p:cNvCxnSpPr/>
+              <p:nvPr/>
+            </p:nvCxnSpPr>
+            <p:spPr>
+              <a:xfrm>
+                <a:off x="2786050" y="4214818"/>
+                <a:ext cx="571504" cy="1588"/>
+              </a:xfrm>
+              <a:prstGeom prst="straightConnector1">
+                <a:avLst/>
+              </a:prstGeom>
+              <a:ln w="28575">
+                <a:tailEnd type="arrow"/>
+              </a:ln>
+            </p:spPr>
+            <p:style>
+              <a:lnRef idx="1">
+                <a:schemeClr val="accent1"/>
+              </a:lnRef>
+              <a:fillRef idx="0">
+                <a:schemeClr val="accent1"/>
+              </a:fillRef>
+              <a:effectRef idx="0">
+                <a:schemeClr val="accent1"/>
+              </a:effectRef>
+              <a:fontRef idx="minor">
+                <a:schemeClr val="tx1"/>
+              </a:fontRef>
+            </p:style>
+          </p:cxnSp>
+          <p:cxnSp>
+            <p:nvCxnSpPr>
+              <p:cNvPr id="62" name="61 Conector recto de flecha"/>
+              <p:cNvCxnSpPr/>
+              <p:nvPr/>
+            </p:nvCxnSpPr>
+            <p:spPr>
+              <a:xfrm>
+                <a:off x="2786050" y="5500702"/>
+                <a:ext cx="571504" cy="1588"/>
+              </a:xfrm>
+              <a:prstGeom prst="straightConnector1">
+                <a:avLst/>
+              </a:prstGeom>
+              <a:ln w="28575">
+                <a:tailEnd type="arrow"/>
+              </a:ln>
+            </p:spPr>
+            <p:style>
+              <a:lnRef idx="1">
+                <a:schemeClr val="accent1"/>
+              </a:lnRef>
+              <a:fillRef idx="0">
+                <a:schemeClr val="accent1"/>
+              </a:fillRef>
+              <a:effectRef idx="0">
+                <a:schemeClr val="accent1"/>
+              </a:effectRef>
+              <a:fontRef idx="minor">
+                <a:schemeClr val="tx1"/>
+              </a:fontRef>
+            </p:style>
+          </p:cxnSp>
+          <p:cxnSp>
+            <p:nvCxnSpPr>
+              <p:cNvPr id="63" name="62 Conector recto de flecha"/>
+              <p:cNvCxnSpPr/>
+              <p:nvPr/>
+            </p:nvCxnSpPr>
+            <p:spPr>
+              <a:xfrm>
+                <a:off x="3786182" y="1643050"/>
+                <a:ext cx="0" cy="572400"/>
+              </a:xfrm>
+              <a:prstGeom prst="straightConnector1">
+                <a:avLst/>
+              </a:prstGeom>
+              <a:ln w="28575">
+                <a:solidFill>
+                  <a:srgbClr val="FF0000"/>
+                </a:solidFill>
+                <a:tailEnd type="arrow"/>
+              </a:ln>
+            </p:spPr>
+            <p:style>
+              <a:lnRef idx="1">
+                <a:schemeClr val="accent1"/>
+              </a:lnRef>
+              <a:fillRef idx="0">
+                <a:schemeClr val="accent1"/>
+              </a:fillRef>
+              <a:effectRef idx="0">
+                <a:schemeClr val="accent1"/>
+              </a:effectRef>
+              <a:fontRef idx="minor">
+                <a:schemeClr val="tx1"/>
+              </a:fontRef>
+            </p:style>
+          </p:cxnSp>
+          <p:cxnSp>
+            <p:nvCxnSpPr>
+              <p:cNvPr id="65" name="64 Conector recto de flecha"/>
+              <p:cNvCxnSpPr/>
+              <p:nvPr/>
+            </p:nvCxnSpPr>
+            <p:spPr>
+              <a:xfrm>
+                <a:off x="7572396" y="4357694"/>
+                <a:ext cx="571504" cy="1588"/>
+              </a:xfrm>
+              <a:prstGeom prst="straightConnector1">
+                <a:avLst/>
+              </a:prstGeom>
+              <a:ln w="28575">
+                <a:tailEnd type="arrow"/>
+              </a:ln>
+            </p:spPr>
+            <p:style>
+              <a:lnRef idx="1">
+                <a:schemeClr val="accent1"/>
+              </a:lnRef>
+              <a:fillRef idx="0">
+                <a:schemeClr val="accent1"/>
+              </a:fillRef>
+              <a:effectRef idx="0">
+                <a:schemeClr val="accent1"/>
+              </a:effectRef>
+              <a:fontRef idx="minor">
+                <a:schemeClr val="tx1"/>
+              </a:fontRef>
+            </p:style>
+          </p:cxnSp>
+          <p:cxnSp>
+            <p:nvCxnSpPr>
+              <p:cNvPr id="66" name="65 Conector recto de flecha"/>
+              <p:cNvCxnSpPr/>
+              <p:nvPr/>
+            </p:nvCxnSpPr>
+            <p:spPr>
+              <a:xfrm>
+                <a:off x="7572396" y="2786058"/>
+                <a:ext cx="571504" cy="1588"/>
+              </a:xfrm>
+              <a:prstGeom prst="straightConnector1">
+                <a:avLst/>
+              </a:prstGeom>
+              <a:ln w="28575">
+                <a:tailEnd type="arrow"/>
+              </a:ln>
+            </p:spPr>
+            <p:style>
+              <a:lnRef idx="1">
+                <a:schemeClr val="accent1"/>
+              </a:lnRef>
+              <a:fillRef idx="0">
+                <a:schemeClr val="accent1"/>
+              </a:fillRef>
+              <a:effectRef idx="0">
+                <a:schemeClr val="accent1"/>
+              </a:effectRef>
+              <a:fontRef idx="minor">
+                <a:schemeClr val="tx1"/>
+              </a:fontRef>
+            </p:style>
+          </p:cxnSp>
+          <p:cxnSp>
+            <p:nvCxnSpPr>
+              <p:cNvPr id="67" name="66 Conector recto de flecha"/>
+              <p:cNvCxnSpPr/>
+              <p:nvPr/>
+            </p:nvCxnSpPr>
+            <p:spPr>
+              <a:xfrm>
+                <a:off x="7572396" y="3429000"/>
+                <a:ext cx="571504" cy="1588"/>
+              </a:xfrm>
+              <a:prstGeom prst="straightConnector1">
+                <a:avLst/>
+              </a:prstGeom>
+              <a:ln w="28575">
+                <a:tailEnd type="arrow"/>
+              </a:ln>
+            </p:spPr>
+            <p:style>
+              <a:lnRef idx="1">
+                <a:schemeClr val="accent1"/>
+              </a:lnRef>
+              <a:fillRef idx="0">
+                <a:schemeClr val="accent1"/>
+              </a:fillRef>
+              <a:effectRef idx="0">
+                <a:schemeClr val="accent1"/>
+              </a:effectRef>
+              <a:fontRef idx="minor">
+                <a:schemeClr val="tx1"/>
+              </a:fontRef>
+            </p:style>
+          </p:cxnSp>
+        </p:grpSp>
+        <p:grpSp>
+          <p:nvGrpSpPr>
+            <p:cNvPr id="118" name="117 Grupo"/>
+            <p:cNvGrpSpPr/>
+            <p:nvPr/>
+          </p:nvGrpSpPr>
+          <p:grpSpPr>
+            <a:xfrm>
+              <a:off x="4429124" y="3429000"/>
+              <a:ext cx="3143272" cy="1643074"/>
+              <a:chOff x="4429124" y="3429000"/>
+              <a:chExt cx="3143272" cy="1643074"/>
+            </a:xfrm>
+          </p:grpSpPr>
+          <p:sp>
+            <p:nvSpPr>
+              <p:cNvPr id="69" name="68 Rectángulo"/>
+              <p:cNvSpPr/>
+              <p:nvPr/>
+            </p:nvSpPr>
+            <p:spPr>
+              <a:xfrm>
+                <a:off x="5214942" y="4071942"/>
+                <a:ext cx="1143008" cy="1000132"/>
               </a:xfrm>
               <a:prstGeom prst="rect">
                 <a:avLst/>
@@ -15810,268 +16354,312 @@
               <a:lstStyle/>
               <a:p>
                 <a:pPr algn="ctr"/>
+                <a:r>
+                  <a:rPr lang="es-ES" dirty="0" smtClean="0"/>
+                  <a:t>ALU</a:t>
+                </a:r>
                 <a:endParaRPr lang="es-ES" dirty="0"/>
               </a:p>
             </p:txBody>
           </p:sp>
-          <p:sp>
-            <p:nvSpPr>
-              <p:cNvPr id="73" name="72 Triángulo isósceles"/>
-              <p:cNvSpPr/>
+          <p:grpSp>
+            <p:nvGrpSpPr>
+              <p:cNvPr id="71" name="70 Grupo"/>
+              <p:cNvGrpSpPr/>
               <p:nvPr/>
-            </p:nvSpPr>
+            </p:nvGrpSpPr>
+            <p:grpSpPr>
+              <a:xfrm>
+                <a:off x="4429124" y="4500570"/>
+                <a:ext cx="285752" cy="428628"/>
+                <a:chOff x="2000232" y="2857496"/>
+                <a:chExt cx="357190" cy="500066"/>
+              </a:xfrm>
+            </p:grpSpPr>
+            <p:sp>
+              <p:nvSpPr>
+                <p:cNvPr id="72" name="71 Rectángulo"/>
+                <p:cNvSpPr/>
+                <p:nvPr/>
+              </p:nvSpPr>
+              <p:spPr>
+                <a:xfrm>
+                  <a:off x="2000232" y="2857496"/>
+                  <a:ext cx="357190" cy="500066"/>
+                </a:xfrm>
+                <a:prstGeom prst="rect">
+                  <a:avLst/>
+                </a:prstGeom>
+              </p:spPr>
+              <p:style>
+                <a:lnRef idx="2">
+                  <a:schemeClr val="accent1">
+                    <a:shade val="50000"/>
+                  </a:schemeClr>
+                </a:lnRef>
+                <a:fillRef idx="1">
+                  <a:schemeClr val="accent1"/>
+                </a:fillRef>
+                <a:effectRef idx="0">
+                  <a:schemeClr val="accent1"/>
+                </a:effectRef>
+                <a:fontRef idx="minor">
+                  <a:schemeClr val="lt1"/>
+                </a:fontRef>
+              </p:style>
+              <p:txBody>
+                <a:bodyPr rtlCol="0" anchor="ctr"/>
+                <a:lstStyle/>
+                <a:p>
+                  <a:pPr algn="ctr"/>
+                  <a:endParaRPr lang="es-ES" dirty="0"/>
+                </a:p>
+              </p:txBody>
+            </p:sp>
+            <p:sp>
+              <p:nvSpPr>
+                <p:cNvPr id="73" name="72 Triángulo isósceles"/>
+                <p:cNvSpPr/>
+                <p:nvPr/>
+              </p:nvSpPr>
+              <p:spPr>
+                <a:xfrm rot="5400000">
+                  <a:off x="1928794" y="2928934"/>
+                  <a:ext cx="500066" cy="357190"/>
+                </a:xfrm>
+                <a:prstGeom prst="triangle">
+                  <a:avLst/>
+                </a:prstGeom>
+              </p:spPr>
+              <p:style>
+                <a:lnRef idx="2">
+                  <a:schemeClr val="accent1">
+                    <a:shade val="50000"/>
+                  </a:schemeClr>
+                </a:lnRef>
+                <a:fillRef idx="1">
+                  <a:schemeClr val="accent1"/>
+                </a:fillRef>
+                <a:effectRef idx="0">
+                  <a:schemeClr val="accent1"/>
+                </a:effectRef>
+                <a:fontRef idx="minor">
+                  <a:schemeClr val="lt1"/>
+                </a:fontRef>
+              </p:style>
+              <p:txBody>
+                <a:bodyPr rtlCol="0" anchor="ctr"/>
+                <a:lstStyle/>
+                <a:p>
+                  <a:pPr algn="ctr"/>
+                  <a:endParaRPr lang="es-ES" sz="800" dirty="0"/>
+                </a:p>
+              </p:txBody>
+            </p:sp>
+          </p:grpSp>
+          <p:cxnSp>
+            <p:nvCxnSpPr>
+              <p:cNvPr id="87" name="86 Conector recto de flecha"/>
+              <p:cNvCxnSpPr/>
+              <p:nvPr/>
+            </p:nvCxnSpPr>
             <p:spPr>
-              <a:xfrm rot="5400000">
-                <a:off x="1928794" y="2928934"/>
-                <a:ext cx="500066" cy="357190"/>
+              <a:xfrm>
+                <a:off x="4714876" y="4714884"/>
+                <a:ext cx="500066" cy="1588"/>
               </a:xfrm>
-              <a:prstGeom prst="triangle">
+              <a:prstGeom prst="straightConnector1">
                 <a:avLst/>
               </a:prstGeom>
+              <a:ln w="28575">
+                <a:tailEnd type="arrow"/>
+              </a:ln>
             </p:spPr>
             <p:style>
-              <a:lnRef idx="2">
-                <a:schemeClr val="accent1">
-                  <a:shade val="50000"/>
-                </a:schemeClr>
+              <a:lnRef idx="1">
+                <a:schemeClr val="accent1"/>
               </a:lnRef>
-              <a:fillRef idx="1">
+              <a:fillRef idx="0">
                 <a:schemeClr val="accent1"/>
               </a:fillRef>
               <a:effectRef idx="0">
                 <a:schemeClr val="accent1"/>
               </a:effectRef>
               <a:fontRef idx="minor">
-                <a:schemeClr val="lt1"/>
+                <a:schemeClr val="tx1"/>
               </a:fontRef>
             </p:style>
-            <p:txBody>
-              <a:bodyPr rtlCol="0" anchor="ctr"/>
-              <a:lstStyle/>
-              <a:p>
-                <a:pPr algn="ctr"/>
-                <a:endParaRPr lang="es-ES" sz="800" dirty="0"/>
-              </a:p>
-            </p:txBody>
-          </p:sp>
+          </p:cxnSp>
+          <p:cxnSp>
+            <p:nvCxnSpPr>
+              <p:cNvPr id="94" name="93 Conector recto de flecha"/>
+              <p:cNvCxnSpPr/>
+              <p:nvPr/>
+            </p:nvCxnSpPr>
+            <p:spPr>
+              <a:xfrm>
+                <a:off x="6357950" y="4357694"/>
+                <a:ext cx="1214446" cy="1588"/>
+              </a:xfrm>
+              <a:prstGeom prst="straightConnector1">
+                <a:avLst/>
+              </a:prstGeom>
+              <a:ln w="28575">
+                <a:tailEnd type="arrow"/>
+              </a:ln>
+            </p:spPr>
+            <p:style>
+              <a:lnRef idx="1">
+                <a:schemeClr val="accent1"/>
+              </a:lnRef>
+              <a:fillRef idx="0">
+                <a:schemeClr val="accent1"/>
+              </a:fillRef>
+              <a:effectRef idx="0">
+                <a:schemeClr val="accent1"/>
+              </a:effectRef>
+              <a:fontRef idx="minor">
+                <a:schemeClr val="tx1"/>
+              </a:fontRef>
+            </p:style>
+          </p:cxnSp>
+          <p:cxnSp>
+            <p:nvCxnSpPr>
+              <p:cNvPr id="96" name="95 Conector recto de flecha"/>
+              <p:cNvCxnSpPr/>
+              <p:nvPr/>
+            </p:nvCxnSpPr>
+            <p:spPr>
+              <a:xfrm flipV="1">
+                <a:off x="6357950" y="3429000"/>
+                <a:ext cx="1214446" cy="785818"/>
+              </a:xfrm>
+              <a:prstGeom prst="bentConnector3">
+                <a:avLst>
+                  <a:gd name="adj1" fmla="val 50000"/>
+                </a:avLst>
+              </a:prstGeom>
+              <a:ln w="28575">
+                <a:tailEnd type="arrow"/>
+              </a:ln>
+            </p:spPr>
+            <p:style>
+              <a:lnRef idx="1">
+                <a:schemeClr val="accent1"/>
+              </a:lnRef>
+              <a:fillRef idx="0">
+                <a:schemeClr val="accent1"/>
+              </a:fillRef>
+              <a:effectRef idx="0">
+                <a:schemeClr val="accent1"/>
+              </a:effectRef>
+              <a:fontRef idx="minor">
+                <a:schemeClr val="tx1"/>
+              </a:fontRef>
+            </p:style>
+          </p:cxnSp>
         </p:grpSp>
-        <p:cxnSp>
-          <p:nvCxnSpPr>
-            <p:cNvPr id="87" name="86 Conector recto de flecha"/>
-            <p:cNvCxnSpPr/>
-            <p:nvPr/>
-          </p:nvCxnSpPr>
-          <p:spPr>
-            <a:xfrm>
-              <a:off x="4714876" y="4714884"/>
-              <a:ext cx="500066" cy="1588"/>
-            </a:xfrm>
-            <a:prstGeom prst="straightConnector1">
-              <a:avLst/>
-            </a:prstGeom>
-            <a:ln w="28575">
-              <a:tailEnd type="arrow"/>
-            </a:ln>
-          </p:spPr>
-          <p:style>
-            <a:lnRef idx="1">
-              <a:schemeClr val="accent1"/>
-            </a:lnRef>
-            <a:fillRef idx="0">
-              <a:schemeClr val="accent1"/>
-            </a:fillRef>
-            <a:effectRef idx="0">
-              <a:schemeClr val="accent1"/>
-            </a:effectRef>
-            <a:fontRef idx="minor">
-              <a:schemeClr val="tx1"/>
-            </a:fontRef>
-          </p:style>
-        </p:cxnSp>
-        <p:cxnSp>
-          <p:nvCxnSpPr>
-            <p:cNvPr id="94" name="93 Conector recto de flecha"/>
-            <p:cNvCxnSpPr/>
-            <p:nvPr/>
-          </p:nvCxnSpPr>
-          <p:spPr>
-            <a:xfrm>
-              <a:off x="6357950" y="4357694"/>
-              <a:ext cx="1214446" cy="1588"/>
-            </a:xfrm>
-            <a:prstGeom prst="straightConnector1">
-              <a:avLst/>
-            </a:prstGeom>
-            <a:ln w="28575">
-              <a:tailEnd type="arrow"/>
-            </a:ln>
-          </p:spPr>
-          <p:style>
-            <a:lnRef idx="1">
-              <a:schemeClr val="accent1"/>
-            </a:lnRef>
-            <a:fillRef idx="0">
-              <a:schemeClr val="accent1"/>
-            </a:fillRef>
-            <a:effectRef idx="0">
-              <a:schemeClr val="accent1"/>
-            </a:effectRef>
-            <a:fontRef idx="minor">
-              <a:schemeClr val="tx1"/>
-            </a:fontRef>
-          </p:style>
-        </p:cxnSp>
-        <p:cxnSp>
-          <p:nvCxnSpPr>
-            <p:cNvPr id="96" name="95 Conector recto de flecha"/>
-            <p:cNvCxnSpPr/>
-            <p:nvPr/>
-          </p:nvCxnSpPr>
-          <p:spPr>
-            <a:xfrm flipV="1">
-              <a:off x="6357950" y="3429000"/>
-              <a:ext cx="1214446" cy="785818"/>
-            </a:xfrm>
-            <a:prstGeom prst="bentConnector3">
-              <a:avLst>
-                <a:gd name="adj1" fmla="val 50000"/>
-              </a:avLst>
-            </a:prstGeom>
-            <a:ln w="28575">
-              <a:tailEnd type="arrow"/>
-            </a:ln>
-          </p:spPr>
-          <p:style>
-            <a:lnRef idx="1">
-              <a:schemeClr val="accent1"/>
-            </a:lnRef>
-            <a:fillRef idx="0">
-              <a:schemeClr val="accent1"/>
-            </a:fillRef>
-            <a:effectRef idx="0">
-              <a:schemeClr val="accent1"/>
-            </a:effectRef>
-            <a:fontRef idx="minor">
-              <a:schemeClr val="tx1"/>
-            </a:fontRef>
-          </p:style>
-        </p:cxnSp>
-      </p:grpSp>
-      <p:grpSp>
-        <p:nvGrpSpPr>
-          <p:cNvPr id="117" name="116 Grupo"/>
-          <p:cNvGrpSpPr/>
-          <p:nvPr/>
-        </p:nvGrpSpPr>
-        <p:grpSpPr>
-          <a:xfrm>
-            <a:off x="3286116" y="2786058"/>
-            <a:ext cx="1928826" cy="2716232"/>
-            <a:chOff x="3286116" y="2786058"/>
-            <a:chExt cx="1928826" cy="2716232"/>
-          </a:xfrm>
-        </p:grpSpPr>
-        <p:cxnSp>
-          <p:nvCxnSpPr>
-            <p:cNvPr id="83" name="82 Conector recto de flecha"/>
-            <p:cNvCxnSpPr/>
-            <p:nvPr/>
-          </p:nvCxnSpPr>
-          <p:spPr>
-            <a:xfrm>
-              <a:off x="3286116" y="3929066"/>
-              <a:ext cx="1928826" cy="285752"/>
-            </a:xfrm>
-            <a:prstGeom prst="bentConnector3">
-              <a:avLst>
-                <a:gd name="adj1" fmla="val 50000"/>
-              </a:avLst>
-            </a:prstGeom>
-            <a:ln w="28575">
-              <a:tailEnd type="arrow"/>
-            </a:ln>
-          </p:spPr>
-          <p:style>
-            <a:lnRef idx="1">
-              <a:schemeClr val="accent1"/>
-            </a:lnRef>
-            <a:fillRef idx="0">
-              <a:schemeClr val="accent1"/>
-            </a:fillRef>
-            <a:effectRef idx="0">
-              <a:schemeClr val="accent1"/>
-            </a:effectRef>
-            <a:fontRef idx="minor">
-              <a:schemeClr val="tx1"/>
-            </a:fontRef>
-          </p:style>
-        </p:cxnSp>
-        <p:cxnSp>
-          <p:nvCxnSpPr>
-            <p:cNvPr id="85" name="82 Conector recto de flecha"/>
-            <p:cNvCxnSpPr/>
-            <p:nvPr/>
-          </p:nvCxnSpPr>
-          <p:spPr>
-            <a:xfrm>
-              <a:off x="3357554" y="4214818"/>
-              <a:ext cx="1062046" cy="357182"/>
-            </a:xfrm>
-            <a:prstGeom prst="bentConnector3">
-              <a:avLst>
-                <a:gd name="adj1" fmla="val 50000"/>
-              </a:avLst>
-            </a:prstGeom>
-            <a:ln w="28575">
-              <a:tailEnd type="arrow"/>
-            </a:ln>
-          </p:spPr>
-          <p:style>
-            <a:lnRef idx="1">
-              <a:schemeClr val="accent1"/>
-            </a:lnRef>
-            <a:fillRef idx="0">
-              <a:schemeClr val="accent1"/>
-            </a:fillRef>
-            <a:effectRef idx="0">
-              <a:schemeClr val="accent1"/>
-            </a:effectRef>
-            <a:fontRef idx="minor">
-              <a:schemeClr val="tx1"/>
-            </a:fontRef>
-          </p:style>
-        </p:cxnSp>
         <p:grpSp>
           <p:nvGrpSpPr>
-            <p:cNvPr id="116" name="115 Grupo"/>
+            <p:cNvPr id="117" name="116 Grupo"/>
             <p:cNvGrpSpPr/>
             <p:nvPr/>
           </p:nvGrpSpPr>
           <p:grpSpPr>
             <a:xfrm>
-              <a:off x="3357554" y="2786058"/>
-              <a:ext cx="1214446" cy="2716232"/>
-              <a:chOff x="3357554" y="2786058"/>
-              <a:chExt cx="1214446" cy="2716232"/>
+              <a:off x="3286116" y="2786058"/>
+              <a:ext cx="1928826" cy="2716232"/>
+              <a:chOff x="3286116" y="2786058"/>
+              <a:chExt cx="1928826" cy="2716232"/>
             </a:xfrm>
           </p:grpSpPr>
+          <p:cxnSp>
+            <p:nvCxnSpPr>
+              <p:cNvPr id="83" name="82 Conector recto de flecha"/>
+              <p:cNvCxnSpPr/>
+              <p:nvPr/>
+            </p:nvCxnSpPr>
+            <p:spPr>
+              <a:xfrm>
+                <a:off x="3286116" y="3929066"/>
+                <a:ext cx="1928826" cy="285752"/>
+              </a:xfrm>
+              <a:prstGeom prst="bentConnector3">
+                <a:avLst>
+                  <a:gd name="adj1" fmla="val 50000"/>
+                </a:avLst>
+              </a:prstGeom>
+              <a:ln w="28575">
+                <a:tailEnd type="arrow"/>
+              </a:ln>
+            </p:spPr>
+            <p:style>
+              <a:lnRef idx="1">
+                <a:schemeClr val="accent1"/>
+              </a:lnRef>
+              <a:fillRef idx="0">
+                <a:schemeClr val="accent1"/>
+              </a:fillRef>
+              <a:effectRef idx="0">
+                <a:schemeClr val="accent1"/>
+              </a:effectRef>
+              <a:fontRef idx="minor">
+                <a:schemeClr val="tx1"/>
+              </a:fontRef>
+            </p:style>
+          </p:cxnSp>
+          <p:cxnSp>
+            <p:nvCxnSpPr>
+              <p:cNvPr id="85" name="82 Conector recto de flecha"/>
+              <p:cNvCxnSpPr/>
+              <p:nvPr/>
+            </p:nvCxnSpPr>
+            <p:spPr>
+              <a:xfrm>
+                <a:off x="3357554" y="4214818"/>
+                <a:ext cx="1062046" cy="357182"/>
+              </a:xfrm>
+              <a:prstGeom prst="bentConnector3">
+                <a:avLst>
+                  <a:gd name="adj1" fmla="val 50000"/>
+                </a:avLst>
+              </a:prstGeom>
+              <a:ln w="28575">
+                <a:tailEnd type="arrow"/>
+              </a:ln>
+            </p:spPr>
+            <p:style>
+              <a:lnRef idx="1">
+                <a:schemeClr val="accent1"/>
+              </a:lnRef>
+              <a:fillRef idx="0">
+                <a:schemeClr val="accent1"/>
+              </a:fillRef>
+              <a:effectRef idx="0">
+                <a:schemeClr val="accent1"/>
+              </a:effectRef>
+              <a:fontRef idx="minor">
+                <a:schemeClr val="tx1"/>
+              </a:fontRef>
+            </p:style>
+          </p:cxnSp>
           <p:grpSp>
             <p:nvGrpSpPr>
-              <p:cNvPr id="115" name="114 Grupo"/>
+              <p:cNvPr id="116" name="115 Grupo"/>
               <p:cNvGrpSpPr/>
               <p:nvPr/>
             </p:nvGrpSpPr>
             <p:grpSpPr>
               <a:xfrm>
-                <a:off x="3357554" y="3286124"/>
-                <a:ext cx="1214446" cy="2216166"/>
-                <a:chOff x="3357554" y="3286124"/>
-                <a:chExt cx="1214446" cy="2216166"/>
+                <a:off x="3357554" y="2786058"/>
+                <a:ext cx="1214446" cy="2716232"/>
+                <a:chOff x="3357554" y="2786058"/>
+                <a:chExt cx="1214446" cy="2716232"/>
               </a:xfrm>
             </p:grpSpPr>
             <p:grpSp>
               <p:nvGrpSpPr>
-                <p:cNvPr id="114" name="113 Grupo"/>
+                <p:cNvPr id="115" name="114 Grupo"/>
                 <p:cNvGrpSpPr/>
                 <p:nvPr/>
               </p:nvGrpSpPr>
@@ -16083,78 +16671,126 @@
                   <a:chExt cx="1214446" cy="2216166"/>
                 </a:xfrm>
               </p:grpSpPr>
+              <p:grpSp>
+                <p:nvGrpSpPr>
+                  <p:cNvPr id="114" name="113 Grupo"/>
+                  <p:cNvGrpSpPr/>
+                  <p:nvPr/>
+                </p:nvGrpSpPr>
+                <p:grpSpPr>
+                  <a:xfrm>
+                    <a:off x="3357554" y="3286124"/>
+                    <a:ext cx="1214446" cy="2216166"/>
+                    <a:chOff x="3357554" y="3286124"/>
+                    <a:chExt cx="1214446" cy="2216166"/>
+                  </a:xfrm>
+                </p:grpSpPr>
+                <p:cxnSp>
+                  <p:nvCxnSpPr>
+                    <p:cNvPr id="5" name="4 Conector recto"/>
+                    <p:cNvCxnSpPr/>
+                    <p:nvPr/>
+                  </p:nvCxnSpPr>
+                  <p:spPr>
+                    <a:xfrm rot="5400000">
+                      <a:off x="2536017" y="4393413"/>
+                      <a:ext cx="2214578" cy="1588"/>
+                    </a:xfrm>
+                    <a:prstGeom prst="line">
+                      <a:avLst/>
+                    </a:prstGeom>
+                    <a:ln w="28575"/>
+                  </p:spPr>
+                  <p:style>
+                    <a:lnRef idx="1">
+                      <a:schemeClr val="accent1"/>
+                    </a:lnRef>
+                    <a:fillRef idx="0">
+                      <a:schemeClr val="accent1"/>
+                    </a:fillRef>
+                    <a:effectRef idx="0">
+                      <a:schemeClr val="accent1"/>
+                    </a:effectRef>
+                    <a:fontRef idx="minor">
+                      <a:schemeClr val="tx1"/>
+                    </a:fontRef>
+                  </p:style>
+                </p:cxnSp>
+                <p:cxnSp>
+                  <p:nvCxnSpPr>
+                    <p:cNvPr id="6" name="5 Conector recto"/>
+                    <p:cNvCxnSpPr/>
+                    <p:nvPr/>
+                  </p:nvCxnSpPr>
+                  <p:spPr>
+                    <a:xfrm rot="10800000">
+                      <a:off x="3357554" y="5500702"/>
+                      <a:ext cx="285752" cy="1588"/>
+                    </a:xfrm>
+                    <a:prstGeom prst="line">
+                      <a:avLst/>
+                    </a:prstGeom>
+                    <a:ln w="28575"/>
+                  </p:spPr>
+                  <p:style>
+                    <a:lnRef idx="1">
+                      <a:schemeClr val="accent1"/>
+                    </a:lnRef>
+                    <a:fillRef idx="0">
+                      <a:schemeClr val="accent1"/>
+                    </a:fillRef>
+                    <a:effectRef idx="0">
+                      <a:schemeClr val="accent1"/>
+                    </a:effectRef>
+                    <a:fontRef idx="minor">
+                      <a:schemeClr val="tx1"/>
+                    </a:fontRef>
+                  </p:style>
+                </p:cxnSp>
+                <p:cxnSp>
+                  <p:nvCxnSpPr>
+                    <p:cNvPr id="7" name="6 Conector recto de flecha"/>
+                    <p:cNvCxnSpPr/>
+                    <p:nvPr/>
+                  </p:nvCxnSpPr>
+                  <p:spPr>
+                    <a:xfrm>
+                      <a:off x="3643306" y="3286124"/>
+                      <a:ext cx="928694" cy="1588"/>
+                    </a:xfrm>
+                    <a:prstGeom prst="straightConnector1">
+                      <a:avLst/>
+                    </a:prstGeom>
+                    <a:ln w="28575">
+                      <a:tailEnd type="arrow"/>
+                    </a:ln>
+                  </p:spPr>
+                  <p:style>
+                    <a:lnRef idx="1">
+                      <a:schemeClr val="accent1"/>
+                    </a:lnRef>
+                    <a:fillRef idx="0">
+                      <a:schemeClr val="accent1"/>
+                    </a:fillRef>
+                    <a:effectRef idx="0">
+                      <a:schemeClr val="accent1"/>
+                    </a:effectRef>
+                    <a:fontRef idx="minor">
+                      <a:schemeClr val="tx1"/>
+                    </a:fontRef>
+                  </p:style>
+                </p:cxnSp>
+              </p:grpSp>
               <p:cxnSp>
                 <p:nvCxnSpPr>
-                  <p:cNvPr id="5" name="4 Conector recto"/>
-                  <p:cNvCxnSpPr/>
-                  <p:nvPr/>
-                </p:nvCxnSpPr>
-                <p:spPr>
-                  <a:xfrm rot="5400000">
-                    <a:off x="2536017" y="4393413"/>
-                    <a:ext cx="2214578" cy="1588"/>
-                  </a:xfrm>
-                  <a:prstGeom prst="line">
-                    <a:avLst/>
-                  </a:prstGeom>
-                  <a:ln w="28575"/>
-                </p:spPr>
-                <p:style>
-                  <a:lnRef idx="1">
-                    <a:schemeClr val="accent1"/>
-                  </a:lnRef>
-                  <a:fillRef idx="0">
-                    <a:schemeClr val="accent1"/>
-                  </a:fillRef>
-                  <a:effectRef idx="0">
-                    <a:schemeClr val="accent1"/>
-                  </a:effectRef>
-                  <a:fontRef idx="minor">
-                    <a:schemeClr val="tx1"/>
-                  </a:fontRef>
-                </p:style>
-              </p:cxnSp>
-              <p:cxnSp>
-                <p:nvCxnSpPr>
-                  <p:cNvPr id="6" name="5 Conector recto"/>
-                  <p:cNvCxnSpPr/>
-                  <p:nvPr/>
-                </p:nvCxnSpPr>
-                <p:spPr>
-                  <a:xfrm rot="10800000">
-                    <a:off x="3357554" y="5500702"/>
-                    <a:ext cx="285752" cy="1588"/>
-                  </a:xfrm>
-                  <a:prstGeom prst="line">
-                    <a:avLst/>
-                  </a:prstGeom>
-                  <a:ln w="28575"/>
-                </p:spPr>
-                <p:style>
-                  <a:lnRef idx="1">
-                    <a:schemeClr val="accent1"/>
-                  </a:lnRef>
-                  <a:fillRef idx="0">
-                    <a:schemeClr val="accent1"/>
-                  </a:fillRef>
-                  <a:effectRef idx="0">
-                    <a:schemeClr val="accent1"/>
-                  </a:effectRef>
-                  <a:fontRef idx="minor">
-                    <a:schemeClr val="tx1"/>
-                  </a:fontRef>
-                </p:style>
-              </p:cxnSp>
-              <p:cxnSp>
-                <p:nvCxnSpPr>
-                  <p:cNvPr id="7" name="6 Conector recto de flecha"/>
+                  <p:cNvPr id="80" name="79 Conector recto de flecha"/>
                   <p:cNvCxnSpPr/>
                   <p:nvPr/>
                 </p:nvCxnSpPr>
                 <p:spPr>
                   <a:xfrm>
-                    <a:off x="3643306" y="3286124"/>
-                    <a:ext cx="928694" cy="1588"/>
+                    <a:off x="3636165" y="4812506"/>
+                    <a:ext cx="785818" cy="1588"/>
                   </a:xfrm>
                   <a:prstGeom prst="straightConnector1">
                     <a:avLst/>
@@ -16181,14 +16817,14 @@
             </p:grpSp>
             <p:cxnSp>
               <p:nvCxnSpPr>
-                <p:cNvPr id="80" name="79 Conector recto de flecha"/>
+                <p:cNvPr id="78" name="77 Conector recto de flecha"/>
                 <p:cNvCxnSpPr/>
                 <p:nvPr/>
               </p:nvCxnSpPr>
               <p:spPr>
                 <a:xfrm>
-                  <a:off x="3636165" y="4812506"/>
-                  <a:ext cx="785818" cy="1588"/>
+                  <a:off x="3357554" y="2786058"/>
+                  <a:ext cx="1214446" cy="1588"/>
                 </a:xfrm>
                 <a:prstGeom prst="straightConnector1">
                   <a:avLst/>
@@ -16213,16 +16849,75 @@
               </p:style>
             </p:cxnSp>
           </p:grpSp>
+        </p:grpSp>
+        <p:grpSp>
+          <p:nvGrpSpPr>
+            <p:cNvPr id="119" name="118 Grupo"/>
+            <p:cNvGrpSpPr/>
+            <p:nvPr/>
+          </p:nvGrpSpPr>
+          <p:grpSpPr>
+            <a:xfrm>
+              <a:off x="4572000" y="2571744"/>
+              <a:ext cx="3000396" cy="1000132"/>
+              <a:chOff x="4572000" y="2571744"/>
+              <a:chExt cx="3000396" cy="1000132"/>
+            </a:xfrm>
+          </p:grpSpPr>
+          <p:sp>
+            <p:nvSpPr>
+              <p:cNvPr id="68" name="67 Rectángulo"/>
+              <p:cNvSpPr/>
+              <p:nvPr/>
+            </p:nvSpPr>
+            <p:spPr>
+              <a:xfrm>
+                <a:off x="4572000" y="2571744"/>
+                <a:ext cx="1143008" cy="1000132"/>
+              </a:xfrm>
+              <a:prstGeom prst="rect">
+                <a:avLst/>
+              </a:prstGeom>
+            </p:spPr>
+            <p:style>
+              <a:lnRef idx="2">
+                <a:schemeClr val="accent1">
+                  <a:shade val="50000"/>
+                </a:schemeClr>
+              </a:lnRef>
+              <a:fillRef idx="1">
+                <a:schemeClr val="accent1"/>
+              </a:fillRef>
+              <a:effectRef idx="0">
+                <a:schemeClr val="accent1"/>
+              </a:effectRef>
+              <a:fontRef idx="minor">
+                <a:schemeClr val="lt1"/>
+              </a:fontRef>
+            </p:style>
+            <p:txBody>
+              <a:bodyPr rtlCol="0" anchor="ctr"/>
+              <a:lstStyle/>
+              <a:p>
+                <a:pPr algn="ctr"/>
+                <a:r>
+                  <a:rPr lang="es-ES" dirty="0" smtClean="0"/>
+                  <a:t>Sumador Salto</a:t>
+                </a:r>
+                <a:endParaRPr lang="es-ES" dirty="0"/>
+              </a:p>
+            </p:txBody>
+          </p:sp>
           <p:cxnSp>
             <p:nvCxnSpPr>
-              <p:cNvPr id="78" name="77 Conector recto de flecha"/>
+              <p:cNvPr id="99" name="98 Conector recto de flecha"/>
               <p:cNvCxnSpPr/>
               <p:nvPr/>
             </p:nvCxnSpPr>
             <p:spPr>
               <a:xfrm>
-                <a:off x="3357554" y="2786058"/>
-                <a:ext cx="1214446" cy="1588"/>
+                <a:off x="5715008" y="2786058"/>
+                <a:ext cx="1857388" cy="1588"/>
               </a:xfrm>
               <a:prstGeom prst="straightConnector1">
                 <a:avLst/>
@@ -16247,276 +16942,596 @@
             </p:style>
           </p:cxnSp>
         </p:grpSp>
-      </p:grpSp>
-      <p:grpSp>
-        <p:nvGrpSpPr>
-          <p:cNvPr id="119" name="118 Grupo"/>
-          <p:cNvGrpSpPr/>
-          <p:nvPr/>
-        </p:nvGrpSpPr>
-        <p:grpSpPr>
-          <a:xfrm>
-            <a:off x="4572000" y="2571744"/>
-            <a:ext cx="3000396" cy="1000132"/>
-            <a:chOff x="4572000" y="2571744"/>
-            <a:chExt cx="3000396" cy="1000132"/>
-          </a:xfrm>
-        </p:grpSpPr>
-        <p:sp>
-          <p:nvSpPr>
-            <p:cNvPr id="68" name="67 Rectángulo"/>
-            <p:cNvSpPr/>
+        <p:grpSp>
+          <p:nvGrpSpPr>
+            <p:cNvPr id="120" name="119 Grupo"/>
+            <p:cNvGrpSpPr/>
             <p:nvPr/>
-          </p:nvSpPr>
-          <p:spPr>
+          </p:nvGrpSpPr>
+          <p:grpSpPr>
             <a:xfrm>
-              <a:off x="4572000" y="2571744"/>
-              <a:ext cx="1143008" cy="1000132"/>
+              <a:off x="4572000" y="4929198"/>
+              <a:ext cx="1785950" cy="785818"/>
+              <a:chOff x="4572000" y="4929198"/>
+              <a:chExt cx="1785950" cy="785818"/>
             </a:xfrm>
-            <a:prstGeom prst="rect">
-              <a:avLst/>
-            </a:prstGeom>
-          </p:spPr>
-          <p:style>
-            <a:lnRef idx="2">
-              <a:schemeClr val="accent1">
-                <a:shade val="50000"/>
-              </a:schemeClr>
-            </a:lnRef>
-            <a:fillRef idx="1">
-              <a:schemeClr val="accent1"/>
-            </a:fillRef>
-            <a:effectRef idx="0">
-              <a:schemeClr val="accent1"/>
-            </a:effectRef>
-            <a:fontRef idx="minor">
-              <a:schemeClr val="lt1"/>
-            </a:fontRef>
-          </p:style>
-          <p:txBody>
-            <a:bodyPr rtlCol="0" anchor="ctr"/>
-            <a:lstStyle/>
-            <a:p>
-              <a:pPr algn="ctr"/>
-              <a:r>
-                <a:rPr lang="es-ES" dirty="0" smtClean="0"/>
-                <a:t>Sumador Salto</a:t>
-              </a:r>
-              <a:endParaRPr lang="es-ES" dirty="0"/>
-            </a:p>
-          </p:txBody>
-        </p:sp>
-        <p:cxnSp>
-          <p:nvCxnSpPr>
-            <p:cNvPr id="99" name="98 Conector recto de flecha"/>
-            <p:cNvCxnSpPr/>
-            <p:nvPr/>
-          </p:nvCxnSpPr>
-          <p:spPr>
-            <a:xfrm>
-              <a:off x="5715008" y="2786058"/>
-              <a:ext cx="1857388" cy="1588"/>
-            </a:xfrm>
-            <a:prstGeom prst="straightConnector1">
-              <a:avLst/>
-            </a:prstGeom>
-            <a:ln w="28575">
-              <a:tailEnd type="arrow"/>
-            </a:ln>
-          </p:spPr>
-          <p:style>
-            <a:lnRef idx="1">
-              <a:schemeClr val="accent1"/>
-            </a:lnRef>
-            <a:fillRef idx="0">
-              <a:schemeClr val="accent1"/>
-            </a:fillRef>
-            <a:effectRef idx="0">
-              <a:schemeClr val="accent1"/>
-            </a:effectRef>
-            <a:fontRef idx="minor">
-              <a:schemeClr val="tx1"/>
-            </a:fontRef>
-          </p:style>
-        </p:cxnSp>
-      </p:grpSp>
-      <p:grpSp>
-        <p:nvGrpSpPr>
-          <p:cNvPr id="120" name="119 Grupo"/>
-          <p:cNvGrpSpPr/>
-          <p:nvPr/>
-        </p:nvGrpSpPr>
-        <p:grpSpPr>
-          <a:xfrm>
-            <a:off x="4572000" y="4929198"/>
-            <a:ext cx="1785950" cy="785818"/>
-            <a:chOff x="4572000" y="4929198"/>
-            <a:chExt cx="1785950" cy="785818"/>
-          </a:xfrm>
-        </p:grpSpPr>
-        <p:cxnSp>
-          <p:nvCxnSpPr>
-            <p:cNvPr id="101" name="100 Conector recto de flecha"/>
-            <p:cNvCxnSpPr/>
-            <p:nvPr/>
-          </p:nvCxnSpPr>
-          <p:spPr>
-            <a:xfrm rot="5400000" flipH="1" flipV="1">
-              <a:off x="4465637" y="5035561"/>
-              <a:ext cx="214314" cy="1588"/>
-            </a:xfrm>
-            <a:prstGeom prst="straightConnector1">
-              <a:avLst/>
-            </a:prstGeom>
-            <a:ln w="28575">
+          </p:grpSpPr>
+          <p:cxnSp>
+            <p:nvCxnSpPr>
+              <p:cNvPr id="101" name="100 Conector recto de flecha"/>
+              <p:cNvCxnSpPr/>
+              <p:nvPr/>
+            </p:nvCxnSpPr>
+            <p:spPr>
+              <a:xfrm rot="5400000" flipH="1" flipV="1">
+                <a:off x="4465637" y="5035561"/>
+                <a:ext cx="214314" cy="1588"/>
+              </a:xfrm>
+              <a:prstGeom prst="straightConnector1">
+                <a:avLst/>
+              </a:prstGeom>
+              <a:ln w="12700">
+                <a:solidFill>
+                  <a:srgbClr val="FF0000"/>
+                </a:solidFill>
+                <a:tailEnd type="arrow"/>
+              </a:ln>
+            </p:spPr>
+            <p:style>
+              <a:lnRef idx="1">
+                <a:schemeClr val="accent1"/>
+              </a:lnRef>
+              <a:fillRef idx="0">
+                <a:schemeClr val="accent1"/>
+              </a:fillRef>
+              <a:effectRef idx="0">
+                <a:schemeClr val="accent1"/>
+              </a:effectRef>
+              <a:fontRef idx="minor">
+                <a:schemeClr val="tx1"/>
+              </a:fontRef>
+            </p:style>
+          </p:cxnSp>
+          <p:sp>
+            <p:nvSpPr>
+              <p:cNvPr id="103" name="102 Elipse"/>
+              <p:cNvSpPr/>
+              <p:nvPr/>
+            </p:nvSpPr>
+            <p:spPr>
+              <a:xfrm>
+                <a:off x="5500694" y="5286388"/>
+                <a:ext cx="857256" cy="428628"/>
+              </a:xfrm>
+              <a:prstGeom prst="ellipse">
+                <a:avLst/>
+              </a:prstGeom>
               <a:solidFill>
                 <a:srgbClr val="FF0000"/>
               </a:solidFill>
-              <a:tailEnd type="arrow"/>
-            </a:ln>
-          </p:spPr>
-          <p:style>
-            <a:lnRef idx="1">
-              <a:schemeClr val="accent1"/>
-            </a:lnRef>
-            <a:fillRef idx="0">
-              <a:schemeClr val="accent1"/>
-            </a:fillRef>
-            <a:effectRef idx="0">
-              <a:schemeClr val="accent1"/>
-            </a:effectRef>
-            <a:fontRef idx="minor">
-              <a:schemeClr val="tx1"/>
-            </a:fontRef>
-          </p:style>
-        </p:cxnSp>
-        <p:sp>
-          <p:nvSpPr>
-            <p:cNvPr id="103" name="102 Elipse"/>
-            <p:cNvSpPr/>
-            <p:nvPr/>
-          </p:nvSpPr>
-          <p:spPr>
-            <a:xfrm>
-              <a:off x="5500694" y="5286388"/>
-              <a:ext cx="857256" cy="428628"/>
-            </a:xfrm>
-            <a:prstGeom prst="ellipse">
-              <a:avLst/>
-            </a:prstGeom>
-            <a:solidFill>
-              <a:srgbClr val="FF0000"/>
-            </a:solidFill>
-            <a:ln>
-              <a:solidFill>
-                <a:srgbClr val="C00000"/>
-              </a:solidFill>
-            </a:ln>
-          </p:spPr>
-          <p:style>
-            <a:lnRef idx="2">
-              <a:schemeClr val="accent1">
-                <a:shade val="50000"/>
-              </a:schemeClr>
-            </a:lnRef>
-            <a:fillRef idx="1">
-              <a:schemeClr val="accent1"/>
-            </a:fillRef>
-            <a:effectRef idx="0">
-              <a:schemeClr val="accent1"/>
-            </a:effectRef>
-            <a:fontRef idx="minor">
-              <a:schemeClr val="lt1"/>
-            </a:fontRef>
-          </p:style>
-          <p:txBody>
-            <a:bodyPr rtlCol="0" anchor="ctr"/>
-            <a:lstStyle/>
-            <a:p>
-              <a:pPr algn="ctr"/>
-              <a:r>
-                <a:rPr lang="es-ES" sz="1000" dirty="0" smtClean="0"/>
-                <a:t>Control ALU</a:t>
-              </a:r>
-              <a:endParaRPr lang="es-ES" sz="1000" dirty="0"/>
-            </a:p>
-          </p:txBody>
-        </p:sp>
-        <p:cxnSp>
-          <p:nvCxnSpPr>
-            <p:cNvPr id="104" name="103 Conector recto de flecha"/>
-            <p:cNvCxnSpPr>
-              <a:stCxn id="103" idx="0"/>
-            </p:cNvCxnSpPr>
-            <p:nvPr/>
-          </p:nvCxnSpPr>
-          <p:spPr>
-            <a:xfrm rot="5400000" flipH="1" flipV="1">
-              <a:off x="5822959" y="5178437"/>
-              <a:ext cx="214314" cy="1588"/>
-            </a:xfrm>
-            <a:prstGeom prst="straightConnector1">
-              <a:avLst/>
-            </a:prstGeom>
-            <a:ln w="28575">
+              <a:ln>
+                <a:solidFill>
+                  <a:srgbClr val="C00000"/>
+                </a:solidFill>
+              </a:ln>
+            </p:spPr>
+            <p:style>
+              <a:lnRef idx="2">
+                <a:schemeClr val="accent1">
+                  <a:shade val="50000"/>
+                </a:schemeClr>
+              </a:lnRef>
+              <a:fillRef idx="1">
+                <a:schemeClr val="accent1"/>
+              </a:fillRef>
+              <a:effectRef idx="0">
+                <a:schemeClr val="accent1"/>
+              </a:effectRef>
+              <a:fontRef idx="minor">
+                <a:schemeClr val="lt1"/>
+              </a:fontRef>
+            </p:style>
+            <p:txBody>
+              <a:bodyPr rtlCol="0" anchor="ctr"/>
+              <a:lstStyle/>
+              <a:p>
+                <a:pPr algn="ctr"/>
+                <a:r>
+                  <a:rPr lang="es-ES" sz="1000" dirty="0" smtClean="0"/>
+                  <a:t>Control ALU</a:t>
+                </a:r>
+                <a:endParaRPr lang="es-ES" sz="1000" dirty="0"/>
+              </a:p>
+            </p:txBody>
+          </p:sp>
+          <p:cxnSp>
+            <p:nvCxnSpPr>
+              <p:cNvPr id="104" name="103 Conector recto de flecha"/>
+              <p:cNvCxnSpPr>
+                <a:stCxn id="103" idx="0"/>
+              </p:cNvCxnSpPr>
+              <p:nvPr/>
+            </p:nvCxnSpPr>
+            <p:spPr>
+              <a:xfrm rot="5400000" flipH="1" flipV="1">
+                <a:off x="5822959" y="5178437"/>
+                <a:ext cx="214314" cy="1588"/>
+              </a:xfrm>
+              <a:prstGeom prst="straightConnector1">
+                <a:avLst/>
+              </a:prstGeom>
+              <a:ln w="28575">
+                <a:solidFill>
+                  <a:srgbClr val="FF0000"/>
+                </a:solidFill>
+                <a:tailEnd type="arrow"/>
+              </a:ln>
+            </p:spPr>
+            <p:style>
+              <a:lnRef idx="1">
+                <a:schemeClr val="accent1"/>
+              </a:lnRef>
+              <a:fillRef idx="0">
+                <a:schemeClr val="accent1"/>
+              </a:fillRef>
+              <a:effectRef idx="0">
+                <a:schemeClr val="accent1"/>
+              </a:effectRef>
+              <a:fontRef idx="minor">
+                <a:schemeClr val="tx1"/>
+              </a:fontRef>
+            </p:style>
+          </p:cxnSp>
+          <p:cxnSp>
+            <p:nvCxnSpPr>
+              <p:cNvPr id="107" name="106 Conector recto de flecha"/>
+              <p:cNvCxnSpPr/>
+              <p:nvPr/>
+            </p:nvCxnSpPr>
+            <p:spPr>
+              <a:xfrm flipV="1">
+                <a:off x="5286380" y="5500702"/>
+                <a:ext cx="204790" cy="9524"/>
+              </a:xfrm>
+              <a:prstGeom prst="straightConnector1">
+                <a:avLst/>
+              </a:prstGeom>
+              <a:ln w="28575">
+                <a:solidFill>
+                  <a:srgbClr val="FF0000"/>
+                </a:solidFill>
+                <a:tailEnd type="arrow"/>
+              </a:ln>
+            </p:spPr>
+            <p:style>
+              <a:lnRef idx="1">
+                <a:schemeClr val="accent1"/>
+              </a:lnRef>
+              <a:fillRef idx="0">
+                <a:schemeClr val="accent1"/>
+              </a:fillRef>
+              <a:effectRef idx="0">
+                <a:schemeClr val="accent1"/>
+              </a:effectRef>
+              <a:fontRef idx="minor">
+                <a:schemeClr val="tx1"/>
+              </a:fontRef>
+            </p:style>
+          </p:cxnSp>
+        </p:grpSp>
+      </p:grpSp>
+      <p:sp>
+        <p:nvSpPr>
+          <p:cNvPr id="121" name="120 CuadroTexto"/>
+          <p:cNvSpPr txBox="1"/>
+          <p:nvPr/>
+        </p:nvSpPr>
+        <p:spPr>
+          <a:xfrm>
+            <a:off x="1857356" y="2928934"/>
+            <a:ext cx="947695" cy="369332"/>
+          </a:xfrm>
+          <a:prstGeom prst="rect">
+            <a:avLst/>
+          </a:prstGeom>
+          <a:noFill/>
+        </p:spPr>
+        <p:txBody>
+          <a:bodyPr wrap="none" rtlCol="0">
+            <a:spAutoFit/>
+          </a:bodyPr>
+          <a:lstStyle/>
+          <a:p>
+            <a:r>
+              <a:rPr lang="es-ES" dirty="0" smtClean="0"/>
+              <a:t>&lt;</a:t>
+            </a:r>
+            <a:r>
+              <a:rPr lang="es-ES" dirty="0" err="1" smtClean="0"/>
+              <a:t>in_PC</a:t>
+            </a:r>
+            <a:r>
+              <a:rPr lang="es-ES" dirty="0" smtClean="0"/>
+              <a:t>&gt;</a:t>
+            </a:r>
+            <a:endParaRPr lang="es-ES" dirty="0"/>
+          </a:p>
+        </p:txBody>
+      </p:sp>
+      <p:sp>
+        <p:nvSpPr>
+          <p:cNvPr id="140" name="139 CuadroTexto"/>
+          <p:cNvSpPr txBox="1"/>
+          <p:nvPr/>
+        </p:nvSpPr>
+        <p:spPr>
+          <a:xfrm>
+            <a:off x="1857356" y="4071942"/>
+            <a:ext cx="1172116" cy="369332"/>
+          </a:xfrm>
+          <a:prstGeom prst="rect">
+            <a:avLst/>
+          </a:prstGeom>
+          <a:noFill/>
+        </p:spPr>
+        <p:txBody>
+          <a:bodyPr wrap="none" rtlCol="0">
+            <a:spAutoFit/>
+          </a:bodyPr>
+          <a:lstStyle/>
+          <a:p>
+            <a:r>
+              <a:rPr lang="es-ES" dirty="0" smtClean="0"/>
+              <a:t>&lt;</a:t>
+            </a:r>
+            <a:r>
+              <a:rPr lang="es-ES" dirty="0" err="1" smtClean="0"/>
+              <a:t>in_busA</a:t>
+            </a:r>
+            <a:r>
+              <a:rPr lang="es-ES" dirty="0" smtClean="0"/>
+              <a:t>&gt;</a:t>
+            </a:r>
+            <a:endParaRPr lang="es-ES" dirty="0"/>
+          </a:p>
+        </p:txBody>
+      </p:sp>
+      <p:sp>
+        <p:nvSpPr>
+          <p:cNvPr id="141" name="140 CuadroTexto"/>
+          <p:cNvSpPr txBox="1"/>
+          <p:nvPr/>
+        </p:nvSpPr>
+        <p:spPr>
+          <a:xfrm>
+            <a:off x="1857356" y="4357694"/>
+            <a:ext cx="1164101" cy="369332"/>
+          </a:xfrm>
+          <a:prstGeom prst="rect">
+            <a:avLst/>
+          </a:prstGeom>
+          <a:noFill/>
+        </p:spPr>
+        <p:txBody>
+          <a:bodyPr wrap="none" rtlCol="0">
+            <a:spAutoFit/>
+          </a:bodyPr>
+          <a:lstStyle/>
+          <a:p>
+            <a:r>
+              <a:rPr lang="es-ES" dirty="0" smtClean="0"/>
+              <a:t>&lt;</a:t>
+            </a:r>
+            <a:r>
+              <a:rPr lang="es-ES" dirty="0" err="1" smtClean="0"/>
+              <a:t>in_busB</a:t>
+            </a:r>
+            <a:r>
+              <a:rPr lang="es-ES" dirty="0" smtClean="0"/>
+              <a:t>&gt;</a:t>
+            </a:r>
+            <a:endParaRPr lang="es-ES" dirty="0"/>
+          </a:p>
+        </p:txBody>
+      </p:sp>
+      <p:sp>
+        <p:nvSpPr>
+          <p:cNvPr id="142" name="141 CuadroTexto"/>
+          <p:cNvSpPr txBox="1"/>
+          <p:nvPr/>
+        </p:nvSpPr>
+        <p:spPr>
+          <a:xfrm>
+            <a:off x="1714480" y="5643578"/>
+            <a:ext cx="1328890" cy="369332"/>
+          </a:xfrm>
+          <a:prstGeom prst="rect">
+            <a:avLst/>
+          </a:prstGeom>
+          <a:noFill/>
+        </p:spPr>
+        <p:txBody>
+          <a:bodyPr wrap="none" rtlCol="0">
+            <a:spAutoFit/>
+          </a:bodyPr>
+          <a:lstStyle/>
+          <a:p>
+            <a:r>
+              <a:rPr lang="es-ES" dirty="0" smtClean="0"/>
+              <a:t>&lt;</a:t>
+            </a:r>
+            <a:r>
+              <a:rPr lang="es-ES" dirty="0" err="1" smtClean="0"/>
+              <a:t>in_entero</a:t>
+            </a:r>
+            <a:r>
+              <a:rPr lang="es-ES" dirty="0" smtClean="0"/>
+              <a:t>&gt;</a:t>
+            </a:r>
+            <a:endParaRPr lang="es-ES" dirty="0"/>
+          </a:p>
+        </p:txBody>
+      </p:sp>
+      <p:sp>
+        <p:nvSpPr>
+          <p:cNvPr id="143" name="142 CuadroTexto"/>
+          <p:cNvSpPr txBox="1"/>
+          <p:nvPr/>
+        </p:nvSpPr>
+        <p:spPr>
+          <a:xfrm>
+            <a:off x="7215206" y="2857496"/>
+            <a:ext cx="1093569" cy="369332"/>
+          </a:xfrm>
+          <a:prstGeom prst="rect">
+            <a:avLst/>
+          </a:prstGeom>
+          <a:noFill/>
+        </p:spPr>
+        <p:txBody>
+          <a:bodyPr wrap="none" rtlCol="0">
+            <a:spAutoFit/>
+          </a:bodyPr>
+          <a:lstStyle/>
+          <a:p>
+            <a:r>
+              <a:rPr lang="es-ES" dirty="0" smtClean="0"/>
+              <a:t>&lt;</a:t>
+            </a:r>
+            <a:r>
+              <a:rPr lang="es-ES" dirty="0" err="1" smtClean="0"/>
+              <a:t>out_PC</a:t>
+            </a:r>
+            <a:r>
+              <a:rPr lang="es-ES" dirty="0" smtClean="0"/>
+              <a:t>&gt;</a:t>
+            </a:r>
+            <a:endParaRPr lang="es-ES" dirty="0"/>
+          </a:p>
+        </p:txBody>
+      </p:sp>
+      <p:sp>
+        <p:nvSpPr>
+          <p:cNvPr id="144" name="143 CuadroTexto"/>
+          <p:cNvSpPr txBox="1"/>
+          <p:nvPr/>
+        </p:nvSpPr>
+        <p:spPr>
+          <a:xfrm>
+            <a:off x="7215206" y="3500438"/>
+            <a:ext cx="1284326" cy="369332"/>
+          </a:xfrm>
+          <a:prstGeom prst="rect">
+            <a:avLst/>
+          </a:prstGeom>
+          <a:noFill/>
+        </p:spPr>
+        <p:txBody>
+          <a:bodyPr wrap="none" rtlCol="0">
+            <a:spAutoFit/>
+          </a:bodyPr>
+          <a:lstStyle/>
+          <a:p>
+            <a:r>
+              <a:rPr lang="es-ES" dirty="0" smtClean="0"/>
+              <a:t>&lt;</a:t>
+            </a:r>
+            <a:r>
+              <a:rPr lang="es-ES" dirty="0" err="1" smtClean="0"/>
+              <a:t>out_flags</a:t>
+            </a:r>
+            <a:r>
+              <a:rPr lang="es-ES" dirty="0" smtClean="0"/>
+              <a:t>&gt;</a:t>
+            </a:r>
+            <a:endParaRPr lang="es-ES" dirty="0"/>
+          </a:p>
+        </p:txBody>
+      </p:sp>
+      <p:sp>
+        <p:nvSpPr>
+          <p:cNvPr id="145" name="144 CuadroTexto"/>
+          <p:cNvSpPr txBox="1"/>
+          <p:nvPr/>
+        </p:nvSpPr>
+        <p:spPr>
+          <a:xfrm>
+            <a:off x="7215206" y="4429132"/>
+            <a:ext cx="1184940" cy="369332"/>
+          </a:xfrm>
+          <a:prstGeom prst="rect">
+            <a:avLst/>
+          </a:prstGeom>
+          <a:noFill/>
+        </p:spPr>
+        <p:txBody>
+          <a:bodyPr wrap="none" rtlCol="0">
+            <a:spAutoFit/>
+          </a:bodyPr>
+          <a:lstStyle/>
+          <a:p>
+            <a:r>
+              <a:rPr lang="es-ES" dirty="0" smtClean="0"/>
+              <a:t>&lt;</a:t>
+            </a:r>
+            <a:r>
+              <a:rPr lang="es-ES" dirty="0" err="1" smtClean="0"/>
+              <a:t>out_bus</a:t>
+            </a:r>
+            <a:r>
+              <a:rPr lang="es-ES" dirty="0" smtClean="0"/>
+              <a:t>&gt;</a:t>
+            </a:r>
+            <a:endParaRPr lang="es-ES" dirty="0"/>
+          </a:p>
+        </p:txBody>
+      </p:sp>
+      <p:sp>
+        <p:nvSpPr>
+          <p:cNvPr id="146" name="145 CuadroTexto"/>
+          <p:cNvSpPr txBox="1"/>
+          <p:nvPr/>
+        </p:nvSpPr>
+        <p:spPr>
+          <a:xfrm>
+            <a:off x="3357554" y="2214554"/>
+            <a:ext cx="1396601" cy="369332"/>
+          </a:xfrm>
+          <a:prstGeom prst="rect">
+            <a:avLst/>
+          </a:prstGeom>
+          <a:noFill/>
+        </p:spPr>
+        <p:txBody>
+          <a:bodyPr wrap="none" rtlCol="0">
+            <a:spAutoFit/>
+          </a:bodyPr>
+          <a:lstStyle/>
+          <a:p>
+            <a:r>
+              <a:rPr lang="es-ES" dirty="0" smtClean="0"/>
+              <a:t>&lt;</a:t>
+            </a:r>
+            <a:r>
+              <a:rPr lang="es-ES" dirty="0" err="1" smtClean="0"/>
+              <a:t>in_exe_ctr</a:t>
+            </a:r>
+            <a:r>
+              <a:rPr lang="es-ES" dirty="0" smtClean="0"/>
+              <a:t>&gt;</a:t>
+            </a:r>
+            <a:endParaRPr lang="es-ES" dirty="0"/>
+          </a:p>
+        </p:txBody>
+      </p:sp>
+      <p:sp>
+        <p:nvSpPr>
+          <p:cNvPr id="147" name="146 CuadroTexto"/>
+          <p:cNvSpPr txBox="1"/>
+          <p:nvPr/>
+        </p:nvSpPr>
+        <p:spPr>
+          <a:xfrm>
+            <a:off x="3773482" y="5522927"/>
+            <a:ext cx="955711" cy="261610"/>
+          </a:xfrm>
+          <a:prstGeom prst="rect">
+            <a:avLst/>
+          </a:prstGeom>
+          <a:noFill/>
+        </p:spPr>
+        <p:txBody>
+          <a:bodyPr wrap="none" rtlCol="0">
+            <a:spAutoFit/>
+          </a:bodyPr>
+          <a:lstStyle/>
+          <a:p>
+            <a:r>
+              <a:rPr lang="es-ES" sz="1100" dirty="0" smtClean="0">
+                <a:solidFill>
+                  <a:srgbClr val="FF0000"/>
+                </a:solidFill>
+              </a:rPr>
+              <a:t>&lt;</a:t>
+            </a:r>
+            <a:r>
+              <a:rPr lang="es-ES" sz="1100" dirty="0" err="1" smtClean="0">
+                <a:solidFill>
+                  <a:srgbClr val="FF0000"/>
+                </a:solidFill>
+              </a:rPr>
+              <a:t>ctr_ALUSrc</a:t>
+            </a:r>
+            <a:r>
+              <a:rPr lang="es-ES" sz="1100" dirty="0" smtClean="0">
+                <a:solidFill>
+                  <a:srgbClr val="FF0000"/>
+                </a:solidFill>
+              </a:rPr>
+              <a:t>&gt;</a:t>
+            </a:r>
+            <a:endParaRPr lang="es-ES" sz="1100" dirty="0">
               <a:solidFill>
                 <a:srgbClr val="FF0000"/>
               </a:solidFill>
-              <a:tailEnd type="arrow"/>
-            </a:ln>
-          </p:spPr>
-          <p:style>
-            <a:lnRef idx="1">
-              <a:schemeClr val="accent1"/>
-            </a:lnRef>
-            <a:fillRef idx="0">
-              <a:schemeClr val="accent1"/>
-            </a:fillRef>
-            <a:effectRef idx="0">
-              <a:schemeClr val="accent1"/>
-            </a:effectRef>
-            <a:fontRef idx="minor">
-              <a:schemeClr val="tx1"/>
-            </a:fontRef>
-          </p:style>
-        </p:cxnSp>
-        <p:cxnSp>
-          <p:nvCxnSpPr>
-            <p:cNvPr id="107" name="106 Conector recto de flecha"/>
-            <p:cNvCxnSpPr/>
-            <p:nvPr/>
-          </p:nvCxnSpPr>
-          <p:spPr>
-            <a:xfrm flipV="1">
-              <a:off x="5286380" y="5500702"/>
-              <a:ext cx="204790" cy="9524"/>
-            </a:xfrm>
-            <a:prstGeom prst="straightConnector1">
-              <a:avLst/>
-            </a:prstGeom>
-            <a:ln w="28575">
+            </a:endParaRPr>
+          </a:p>
+        </p:txBody>
+      </p:sp>
+      <p:sp>
+        <p:nvSpPr>
+          <p:cNvPr id="148" name="147 CuadroTexto"/>
+          <p:cNvSpPr txBox="1"/>
+          <p:nvPr/>
+        </p:nvSpPr>
+        <p:spPr>
+          <a:xfrm>
+            <a:off x="4067170" y="5797550"/>
+            <a:ext cx="930063" cy="261610"/>
+          </a:xfrm>
+          <a:prstGeom prst="rect">
+            <a:avLst/>
+          </a:prstGeom>
+          <a:noFill/>
+        </p:spPr>
+        <p:txBody>
+          <a:bodyPr wrap="none" rtlCol="0">
+            <a:spAutoFit/>
+          </a:bodyPr>
+          <a:lstStyle/>
+          <a:p>
+            <a:r>
+              <a:rPr lang="es-ES" sz="1100" dirty="0" smtClean="0">
+                <a:solidFill>
+                  <a:srgbClr val="FF0000"/>
+                </a:solidFill>
+              </a:rPr>
+              <a:t>&lt;</a:t>
+            </a:r>
+            <a:r>
+              <a:rPr lang="es-ES" sz="1100" dirty="0" err="1" smtClean="0">
+                <a:solidFill>
+                  <a:srgbClr val="FF0000"/>
+                </a:solidFill>
+              </a:rPr>
+              <a:t>ctr_ALUop</a:t>
+            </a:r>
+            <a:r>
+              <a:rPr lang="es-ES" sz="1100" dirty="0" smtClean="0">
+                <a:solidFill>
+                  <a:srgbClr val="FF0000"/>
+                </a:solidFill>
+              </a:rPr>
+              <a:t>&gt;</a:t>
+            </a:r>
+            <a:endParaRPr lang="es-ES" sz="1100" dirty="0">
               <a:solidFill>
                 <a:srgbClr val="FF0000"/>
               </a:solidFill>
-              <a:tailEnd type="arrow"/>
-            </a:ln>
-          </p:spPr>
-          <p:style>
-            <a:lnRef idx="1">
-              <a:schemeClr val="accent1"/>
-            </a:lnRef>
-            <a:fillRef idx="0">
-              <a:schemeClr val="accent1"/>
-            </a:fillRef>
-            <a:effectRef idx="0">
-              <a:schemeClr val="accent1"/>
-            </a:effectRef>
-            <a:fontRef idx="minor">
-              <a:schemeClr val="tx1"/>
-            </a:fontRef>
-          </p:style>
-        </p:cxnSp>
-      </p:grpSp>
+            </a:endParaRPr>
+          </a:p>
+        </p:txBody>
+      </p:sp>
     </p:spTree>
   </p:cSld>
   <p:clrMapOvr>
@@ -16563,10 +17578,10 @@
           <a:lstStyle/>
           <a:p>
             <a:r>
-              <a:rPr lang="es-ES" dirty="0" err="1" smtClean="0"/>
+              <a:rPr lang="en-US" dirty="0" smtClean="0"/>
               <a:t>Memory</a:t>
             </a:r>
-            <a:endParaRPr lang="es-ES" dirty="0"/>
+            <a:endParaRPr lang="en-US" dirty="0"/>
           </a:p>
         </p:txBody>
       </p:sp>
@@ -17420,7 +18435,7 @@
         </p:nvGrpSpPr>
         <p:grpSpPr>
           <a:xfrm>
-            <a:off x="2571736" y="2571744"/>
+            <a:off x="2714612" y="2500306"/>
             <a:ext cx="5214974" cy="3429024"/>
             <a:chOff x="2357422" y="2428868"/>
             <a:chExt cx="5214974" cy="3429024"/>
@@ -17847,7 +18862,7 @@
                 <a:prstGeom prst="straightConnector1">
                   <a:avLst/>
                 </a:prstGeom>
-                <a:ln w="28575">
+                <a:ln w="12700">
                   <a:solidFill>
                     <a:srgbClr val="FF0000"/>
                   </a:solidFill>
@@ -17883,7 +18898,7 @@
                 <a:prstGeom prst="straightConnector1">
                   <a:avLst/>
                 </a:prstGeom>
-                <a:ln w="28575">
+                <a:ln w="12700">
                   <a:solidFill>
                     <a:srgbClr val="FF0000"/>
                   </a:solidFill>
@@ -17908,6 +18923,266 @@
           </p:grpSp>
         </p:grpSp>
       </p:grpSp>
+      <p:sp>
+        <p:nvSpPr>
+          <p:cNvPr id="50" name="49 CuadroTexto"/>
+          <p:cNvSpPr txBox="1"/>
+          <p:nvPr/>
+        </p:nvSpPr>
+        <p:spPr>
+          <a:xfrm>
+            <a:off x="7358082" y="3786190"/>
+            <a:ext cx="1266565" cy="369332"/>
+          </a:xfrm>
+          <a:prstGeom prst="rect">
+            <a:avLst/>
+          </a:prstGeom>
+          <a:noFill/>
+        </p:spPr>
+        <p:txBody>
+          <a:bodyPr wrap="none" rtlCol="0">
+            <a:spAutoFit/>
+          </a:bodyPr>
+          <a:lstStyle/>
+          <a:p>
+            <a:r>
+              <a:rPr lang="es-ES" dirty="0" smtClean="0"/>
+              <a:t>&lt;</a:t>
+            </a:r>
+            <a:r>
+              <a:rPr lang="es-ES" dirty="0" err="1" smtClean="0"/>
+              <a:t>out_data</a:t>
+            </a:r>
+            <a:r>
+              <a:rPr lang="es-ES" dirty="0" smtClean="0"/>
+              <a:t>&gt;</a:t>
+            </a:r>
+            <a:endParaRPr lang="es-ES" dirty="0"/>
+          </a:p>
+        </p:txBody>
+      </p:sp>
+      <p:sp>
+        <p:nvSpPr>
+          <p:cNvPr id="51" name="50 CuadroTexto"/>
+          <p:cNvSpPr txBox="1"/>
+          <p:nvPr/>
+        </p:nvSpPr>
+        <p:spPr>
+          <a:xfrm>
+            <a:off x="2143108" y="4643446"/>
+            <a:ext cx="1120691" cy="369332"/>
+          </a:xfrm>
+          <a:prstGeom prst="rect">
+            <a:avLst/>
+          </a:prstGeom>
+          <a:noFill/>
+        </p:spPr>
+        <p:txBody>
+          <a:bodyPr wrap="none" rtlCol="0">
+            <a:spAutoFit/>
+          </a:bodyPr>
+          <a:lstStyle/>
+          <a:p>
+            <a:r>
+              <a:rPr lang="es-ES" dirty="0" smtClean="0"/>
+              <a:t>&lt;</a:t>
+            </a:r>
+            <a:r>
+              <a:rPr lang="es-ES" dirty="0" err="1" smtClean="0"/>
+              <a:t>in_data</a:t>
+            </a:r>
+            <a:r>
+              <a:rPr lang="es-ES" dirty="0" smtClean="0"/>
+              <a:t>&gt;</a:t>
+            </a:r>
+            <a:endParaRPr lang="es-ES" dirty="0"/>
+          </a:p>
+        </p:txBody>
+      </p:sp>
+      <p:sp>
+        <p:nvSpPr>
+          <p:cNvPr id="52" name="51 CuadroTexto"/>
+          <p:cNvSpPr txBox="1"/>
+          <p:nvPr/>
+        </p:nvSpPr>
+        <p:spPr>
+          <a:xfrm>
+            <a:off x="1857356" y="3500438"/>
+            <a:ext cx="1431995" cy="369332"/>
+          </a:xfrm>
+          <a:prstGeom prst="rect">
+            <a:avLst/>
+          </a:prstGeom>
+          <a:noFill/>
+        </p:spPr>
+        <p:txBody>
+          <a:bodyPr wrap="none" rtlCol="0">
+            <a:spAutoFit/>
+          </a:bodyPr>
+          <a:lstStyle/>
+          <a:p>
+            <a:r>
+              <a:rPr lang="es-ES" dirty="0" smtClean="0"/>
+              <a:t>&lt;</a:t>
+            </a:r>
+            <a:r>
+              <a:rPr lang="es-ES" dirty="0" err="1" smtClean="0"/>
+              <a:t>in_address</a:t>
+            </a:r>
+            <a:r>
+              <a:rPr lang="es-ES" dirty="0" smtClean="0"/>
+              <a:t>&gt;</a:t>
+            </a:r>
+            <a:endParaRPr lang="es-ES" dirty="0"/>
+          </a:p>
+        </p:txBody>
+      </p:sp>
+      <p:sp>
+        <p:nvSpPr>
+          <p:cNvPr id="53" name="52 CuadroTexto"/>
+          <p:cNvSpPr txBox="1"/>
+          <p:nvPr/>
+        </p:nvSpPr>
+        <p:spPr>
+          <a:xfrm>
+            <a:off x="3857620" y="2643182"/>
+            <a:ext cx="1560042" cy="369332"/>
+          </a:xfrm>
+          <a:prstGeom prst="rect">
+            <a:avLst/>
+          </a:prstGeom>
+          <a:noFill/>
+        </p:spPr>
+        <p:txBody>
+          <a:bodyPr wrap="none" rtlCol="0">
+            <a:spAutoFit/>
+          </a:bodyPr>
+          <a:lstStyle/>
+          <a:p>
+            <a:r>
+              <a:rPr lang="es-ES" dirty="0" smtClean="0"/>
+              <a:t>&lt;</a:t>
+            </a:r>
+            <a:r>
+              <a:rPr lang="es-ES" dirty="0" err="1" smtClean="0"/>
+              <a:t>in_mem_ctr</a:t>
+            </a:r>
+            <a:r>
+              <a:rPr lang="es-ES" dirty="0" smtClean="0"/>
+              <a:t>&gt;</a:t>
+            </a:r>
+            <a:endParaRPr lang="es-ES" dirty="0"/>
+          </a:p>
+        </p:txBody>
+      </p:sp>
+      <p:sp>
+        <p:nvSpPr>
+          <p:cNvPr id="54" name="53 CuadroTexto"/>
+          <p:cNvSpPr txBox="1"/>
+          <p:nvPr/>
+        </p:nvSpPr>
+        <p:spPr>
+          <a:xfrm>
+            <a:off x="4786314" y="5357826"/>
+            <a:ext cx="1143262" cy="261610"/>
+          </a:xfrm>
+          <a:prstGeom prst="rect">
+            <a:avLst/>
+          </a:prstGeom>
+          <a:noFill/>
+        </p:spPr>
+        <p:txBody>
+          <a:bodyPr wrap="none" rtlCol="0">
+            <a:spAutoFit/>
+          </a:bodyPr>
+          <a:lstStyle/>
+          <a:p>
+            <a:r>
+              <a:rPr lang="es-ES" sz="1100" dirty="0" smtClean="0">
+                <a:solidFill>
+                  <a:srgbClr val="FF0000"/>
+                </a:solidFill>
+              </a:rPr>
+              <a:t>&lt;</a:t>
+            </a:r>
+            <a:r>
+              <a:rPr lang="es-ES" sz="1100" dirty="0" err="1" smtClean="0">
+                <a:solidFill>
+                  <a:srgbClr val="FF0000"/>
+                </a:solidFill>
+              </a:rPr>
+              <a:t>ctr_MemRead</a:t>
+            </a:r>
+            <a:r>
+              <a:rPr lang="es-ES" sz="1100" dirty="0" smtClean="0">
+                <a:solidFill>
+                  <a:srgbClr val="FF0000"/>
+                </a:solidFill>
+              </a:rPr>
+              <a:t>&gt;</a:t>
+            </a:r>
+            <a:endParaRPr lang="es-ES" sz="1100" dirty="0">
+              <a:solidFill>
+                <a:srgbClr val="FF0000"/>
+              </a:solidFill>
+            </a:endParaRPr>
+          </a:p>
+        </p:txBody>
+      </p:sp>
+      <p:sp>
+        <p:nvSpPr>
+          <p:cNvPr id="55" name="54 CuadroTexto"/>
+          <p:cNvSpPr txBox="1"/>
+          <p:nvPr/>
+        </p:nvSpPr>
+        <p:spPr>
+          <a:xfrm>
+            <a:off x="4786314" y="3500438"/>
+            <a:ext cx="1178528" cy="261610"/>
+          </a:xfrm>
+          <a:prstGeom prst="rect">
+            <a:avLst/>
+          </a:prstGeom>
+          <a:noFill/>
+        </p:spPr>
+        <p:txBody>
+          <a:bodyPr wrap="none" rtlCol="0">
+            <a:spAutoFit/>
+          </a:bodyPr>
+          <a:lstStyle/>
+          <a:p>
+            <a:r>
+              <a:rPr lang="es-ES" sz="1100" dirty="0" smtClean="0">
+                <a:solidFill>
+                  <a:srgbClr val="FF0000"/>
+                </a:solidFill>
+              </a:rPr>
+              <a:t>&lt;</a:t>
+            </a:r>
+            <a:r>
+              <a:rPr lang="es-ES" sz="1100" dirty="0" err="1" smtClean="0">
+                <a:solidFill>
+                  <a:srgbClr val="FF0000"/>
+                </a:solidFill>
+              </a:rPr>
+              <a:t>ctr_MemWrite</a:t>
+            </a:r>
+            <a:r>
+              <a:rPr lang="es-ES" sz="1100" dirty="0" smtClean="0">
+                <a:solidFill>
+                  <a:srgbClr val="FF0000"/>
+                </a:solidFill>
+              </a:rPr>
+              <a:t>&gt;</a:t>
+            </a:r>
+            <a:endParaRPr lang="es-ES" sz="1100" dirty="0">
+              <a:solidFill>
+                <a:srgbClr val="FF0000"/>
+              </a:solidFill>
+            </a:endParaRPr>
+          </a:p>
+        </p:txBody>
+      </p:sp>
     </p:spTree>
   </p:cSld>
   <p:clrMapOvr>
@@ -17956,14 +19231,10 @@
           <a:lstStyle/>
           <a:p>
             <a:r>
-              <a:rPr lang="es-ES" dirty="0" err="1" smtClean="0"/>
-              <a:t>Write</a:t>
+              <a:rPr lang="en-US" dirty="0" smtClean="0"/>
+              <a:t>Write Back</a:t>
             </a:r>
-            <a:r>
-              <a:rPr lang="es-ES" dirty="0" smtClean="0"/>
-              <a:t> Back</a:t>
-            </a:r>
-            <a:endParaRPr lang="es-ES" dirty="0"/>
+            <a:endParaRPr lang="en-US" dirty="0"/>
           </a:p>
         </p:txBody>
       </p:sp>
@@ -18688,10 +19959,10 @@
         </p:nvGrpSpPr>
         <p:grpSpPr>
           <a:xfrm>
-            <a:off x="3000364" y="2285992"/>
-            <a:ext cx="4818093" cy="3216298"/>
+            <a:off x="1357290" y="3143248"/>
+            <a:ext cx="6143668" cy="3216298"/>
             <a:chOff x="2928926" y="2786058"/>
-            <a:chExt cx="4818093" cy="3216298"/>
+            <a:chExt cx="6143668" cy="3216298"/>
           </a:xfrm>
         </p:grpSpPr>
         <p:grpSp>
@@ -18703,9 +19974,9 @@
           <p:grpSpPr>
             <a:xfrm>
               <a:off x="2928926" y="2786058"/>
-              <a:ext cx="4818093" cy="3216298"/>
+              <a:ext cx="6143668" cy="3216298"/>
               <a:chOff x="2928926" y="2786058"/>
-              <a:chExt cx="4818093" cy="3216298"/>
+              <a:chExt cx="6143668" cy="3216298"/>
             </a:xfrm>
           </p:grpSpPr>
           <p:sp>
@@ -18870,9 +20141,9 @@
             <p:grpSpPr>
               <a:xfrm>
                 <a:off x="5643570" y="5429264"/>
-                <a:ext cx="1500198" cy="573092"/>
+                <a:ext cx="3429024" cy="573092"/>
                 <a:chOff x="5643570" y="5429264"/>
-                <a:chExt cx="1500198" cy="573092"/>
+                <a:chExt cx="3429024" cy="573092"/>
               </a:xfrm>
             </p:grpSpPr>
             <p:cxnSp>
@@ -18920,7 +20191,7 @@
               <p:spPr>
                 <a:xfrm>
                   <a:off x="5643570" y="6000768"/>
-                  <a:ext cx="1500198" cy="1588"/>
+                  <a:ext cx="3429024" cy="1588"/>
                 </a:xfrm>
                 <a:prstGeom prst="line">
                   <a:avLst/>
@@ -18955,10 +20226,10 @@
             </p:nvGrpSpPr>
             <p:grpSpPr>
               <a:xfrm>
-                <a:off x="6072198" y="5429264"/>
-                <a:ext cx="642942" cy="287340"/>
-                <a:chOff x="6072198" y="5429264"/>
-                <a:chExt cx="642942" cy="287340"/>
+                <a:off x="5857884" y="5428470"/>
+                <a:ext cx="3071834" cy="431010"/>
+                <a:chOff x="5857884" y="5428470"/>
+                <a:chExt cx="3071834" cy="431010"/>
               </a:xfrm>
             </p:grpSpPr>
             <p:cxnSp>
@@ -18969,8 +20240,8 @@
               </p:nvCxnSpPr>
               <p:spPr>
                 <a:xfrm rot="5400000" flipH="1" flipV="1">
-                  <a:off x="5930116" y="5571346"/>
-                  <a:ext cx="285752" cy="1588"/>
+                  <a:off x="5643967" y="5642387"/>
+                  <a:ext cx="429422" cy="1588"/>
                 </a:xfrm>
                 <a:prstGeom prst="straightConnector1">
                   <a:avLst/>
@@ -19002,8 +20273,8 @@
               </p:nvCxnSpPr>
               <p:spPr>
                 <a:xfrm rot="10800000">
-                  <a:off x="6072198" y="5715016"/>
-                  <a:ext cx="642942" cy="1588"/>
+                  <a:off x="5857884" y="5857892"/>
+                  <a:ext cx="3071834" cy="1588"/>
                 </a:xfrm>
                 <a:prstGeom prst="line">
                   <a:avLst/>
@@ -19033,10 +20304,10 @@
             </p:nvGrpSpPr>
             <p:grpSpPr>
               <a:xfrm>
-                <a:off x="5857884" y="5429264"/>
-                <a:ext cx="1071570" cy="430216"/>
-                <a:chOff x="5857884" y="5429264"/>
-                <a:chExt cx="1071570" cy="430216"/>
+                <a:off x="6072198" y="5428470"/>
+                <a:ext cx="2714644" cy="288134"/>
+                <a:chOff x="6072198" y="5428470"/>
+                <a:chExt cx="2714644" cy="288134"/>
               </a:xfrm>
             </p:grpSpPr>
             <p:cxnSp>
@@ -19047,8 +20318,8 @@
               </p:nvCxnSpPr>
               <p:spPr>
                 <a:xfrm rot="5400000" flipH="1" flipV="1">
-                  <a:off x="5644364" y="5642784"/>
-                  <a:ext cx="428628" cy="1588"/>
+                  <a:off x="5929719" y="5570949"/>
+                  <a:ext cx="286546" cy="1588"/>
                 </a:xfrm>
                 <a:prstGeom prst="straightConnector1">
                   <a:avLst/>
@@ -19080,8 +20351,8 @@
               </p:nvCxnSpPr>
               <p:spPr>
                 <a:xfrm rot="10800000">
-                  <a:off x="5857884" y="5857892"/>
-                  <a:ext cx="1071570" cy="1588"/>
+                  <a:off x="6072198" y="5715016"/>
+                  <a:ext cx="2714644" cy="1588"/>
                 </a:xfrm>
                 <a:prstGeom prst="line">
                   <a:avLst/>
@@ -19541,7 +20812,7 @@
             </p:nvCxnSpPr>
             <p:spPr>
               <a:xfrm rot="5400000" flipH="1" flipV="1">
-                <a:off x="5572926" y="5143512"/>
+                <a:off x="5787240" y="5142718"/>
                 <a:ext cx="570710" cy="794"/>
               </a:xfrm>
               <a:prstGeom prst="straightConnector1">
@@ -19574,7 +20845,7 @@
             </p:nvCxnSpPr>
             <p:spPr>
               <a:xfrm rot="5400000" flipH="1" flipV="1">
-                <a:off x="5787240" y="5143512"/>
+                <a:off x="5572926" y="5142718"/>
                 <a:ext cx="570710" cy="794"/>
               </a:xfrm>
               <a:prstGeom prst="straightConnector1">
@@ -19637,6 +20908,669 @@
           </p:cxnSp>
         </p:grpSp>
       </p:grpSp>
+      <p:grpSp>
+        <p:nvGrpSpPr>
+          <p:cNvPr id="266" name="265 Grupo"/>
+          <p:cNvGrpSpPr/>
+          <p:nvPr/>
+        </p:nvGrpSpPr>
+        <p:grpSpPr>
+          <a:xfrm>
+            <a:off x="6500826" y="4786322"/>
+            <a:ext cx="715174" cy="1285884"/>
+            <a:chOff x="7000892" y="4857760"/>
+            <a:chExt cx="715174" cy="1285884"/>
+          </a:xfrm>
+        </p:grpSpPr>
+        <p:grpSp>
+          <p:nvGrpSpPr>
+            <p:cNvPr id="263" name="262 Grupo"/>
+            <p:cNvGrpSpPr/>
+            <p:nvPr/>
+          </p:nvGrpSpPr>
+          <p:grpSpPr>
+            <a:xfrm>
+              <a:off x="7000892" y="4857760"/>
+              <a:ext cx="571504" cy="785817"/>
+              <a:chOff x="7143768" y="3929067"/>
+              <a:chExt cx="571504" cy="785817"/>
+            </a:xfrm>
+          </p:grpSpPr>
+          <p:grpSp>
+            <p:nvGrpSpPr>
+              <p:cNvPr id="260" name="259 Grupo"/>
+              <p:cNvGrpSpPr/>
+              <p:nvPr/>
+            </p:nvGrpSpPr>
+            <p:grpSpPr>
+              <a:xfrm>
+                <a:off x="7358082" y="4214818"/>
+                <a:ext cx="357190" cy="500066"/>
+                <a:chOff x="5643570" y="1643050"/>
+                <a:chExt cx="357190" cy="500066"/>
+              </a:xfrm>
+            </p:grpSpPr>
+            <p:sp>
+              <p:nvSpPr>
+                <p:cNvPr id="259" name="258 Rectángulo"/>
+                <p:cNvSpPr/>
+                <p:nvPr/>
+              </p:nvSpPr>
+              <p:spPr>
+                <a:xfrm>
+                  <a:off x="5643570" y="1643050"/>
+                  <a:ext cx="357190" cy="500066"/>
+                </a:xfrm>
+                <a:prstGeom prst="rect">
+                  <a:avLst/>
+                </a:prstGeom>
+              </p:spPr>
+              <p:style>
+                <a:lnRef idx="2">
+                  <a:schemeClr val="accent1">
+                    <a:shade val="50000"/>
+                  </a:schemeClr>
+                </a:lnRef>
+                <a:fillRef idx="1">
+                  <a:schemeClr val="accent1"/>
+                </a:fillRef>
+                <a:effectRef idx="0">
+                  <a:schemeClr val="accent1"/>
+                </a:effectRef>
+                <a:fontRef idx="minor">
+                  <a:schemeClr val="lt1"/>
+                </a:fontRef>
+              </p:style>
+              <p:txBody>
+                <a:bodyPr rtlCol="0" anchor="ctr"/>
+                <a:lstStyle/>
+                <a:p>
+                  <a:pPr algn="ctr"/>
+                  <a:endParaRPr lang="es-ES" dirty="0"/>
+                </a:p>
+              </p:txBody>
+            </p:sp>
+            <p:sp>
+              <p:nvSpPr>
+                <p:cNvPr id="255" name="254 Triángulo isósceles"/>
+                <p:cNvSpPr/>
+                <p:nvPr/>
+              </p:nvSpPr>
+              <p:spPr>
+                <a:xfrm rot="5400000">
+                  <a:off x="5572132" y="1714488"/>
+                  <a:ext cx="500066" cy="357190"/>
+                </a:xfrm>
+                <a:prstGeom prst="triangle">
+                  <a:avLst/>
+                </a:prstGeom>
+              </p:spPr>
+              <p:style>
+                <a:lnRef idx="2">
+                  <a:schemeClr val="accent1">
+                    <a:shade val="50000"/>
+                  </a:schemeClr>
+                </a:lnRef>
+                <a:fillRef idx="1">
+                  <a:schemeClr val="accent1"/>
+                </a:fillRef>
+                <a:effectRef idx="0">
+                  <a:schemeClr val="accent1"/>
+                </a:effectRef>
+                <a:fontRef idx="minor">
+                  <a:schemeClr val="lt1"/>
+                </a:fontRef>
+              </p:style>
+              <p:txBody>
+                <a:bodyPr rtlCol="0" anchor="ctr"/>
+                <a:lstStyle/>
+                <a:p>
+                  <a:pPr algn="ctr"/>
+                  <a:endParaRPr lang="es-ES" sz="800" dirty="0"/>
+                </a:p>
+              </p:txBody>
+            </p:sp>
+          </p:grpSp>
+          <p:cxnSp>
+            <p:nvCxnSpPr>
+              <p:cNvPr id="256" name="255 Conector recto de flecha"/>
+              <p:cNvCxnSpPr/>
+              <p:nvPr/>
+            </p:nvCxnSpPr>
+            <p:spPr>
+              <a:xfrm>
+                <a:off x="7143768" y="4286256"/>
+                <a:ext cx="207143" cy="7"/>
+              </a:xfrm>
+              <a:prstGeom prst="straightConnector1">
+                <a:avLst/>
+              </a:prstGeom>
+              <a:ln w="28575">
+                <a:tailEnd type="arrow"/>
+              </a:ln>
+            </p:spPr>
+            <p:style>
+              <a:lnRef idx="1">
+                <a:schemeClr val="accent1"/>
+              </a:lnRef>
+              <a:fillRef idx="0">
+                <a:schemeClr val="accent1"/>
+              </a:fillRef>
+              <a:effectRef idx="0">
+                <a:schemeClr val="accent1"/>
+              </a:effectRef>
+              <a:fontRef idx="minor">
+                <a:schemeClr val="tx1"/>
+              </a:fontRef>
+            </p:style>
+          </p:cxnSp>
+          <p:cxnSp>
+            <p:nvCxnSpPr>
+              <p:cNvPr id="257" name="256 Conector recto de flecha"/>
+              <p:cNvCxnSpPr/>
+              <p:nvPr/>
+            </p:nvCxnSpPr>
+            <p:spPr>
+              <a:xfrm>
+                <a:off x="7143768" y="4643446"/>
+                <a:ext cx="214314" cy="1588"/>
+              </a:xfrm>
+              <a:prstGeom prst="straightConnector1">
+                <a:avLst/>
+              </a:prstGeom>
+              <a:ln w="28575">
+                <a:tailEnd type="arrow"/>
+              </a:ln>
+            </p:spPr>
+            <p:style>
+              <a:lnRef idx="1">
+                <a:schemeClr val="accent1"/>
+              </a:lnRef>
+              <a:fillRef idx="0">
+                <a:schemeClr val="accent1"/>
+              </a:fillRef>
+              <a:effectRef idx="0">
+                <a:schemeClr val="accent1"/>
+              </a:effectRef>
+              <a:fontRef idx="minor">
+                <a:schemeClr val="tx1"/>
+              </a:fontRef>
+            </p:style>
+          </p:cxnSp>
+          <p:cxnSp>
+            <p:nvCxnSpPr>
+              <p:cNvPr id="261" name="260 Conector recto de flecha"/>
+              <p:cNvCxnSpPr/>
+              <p:nvPr/>
+            </p:nvCxnSpPr>
+            <p:spPr>
+              <a:xfrm rot="5400000">
+                <a:off x="7358084" y="4071942"/>
+                <a:ext cx="285751" cy="2"/>
+              </a:xfrm>
+              <a:prstGeom prst="straightConnector1">
+                <a:avLst/>
+              </a:prstGeom>
+              <a:ln>
+                <a:solidFill>
+                  <a:srgbClr val="FF0000"/>
+                </a:solidFill>
+                <a:tailEnd type="arrow"/>
+              </a:ln>
+            </p:spPr>
+            <p:style>
+              <a:lnRef idx="1">
+                <a:schemeClr val="accent1"/>
+              </a:lnRef>
+              <a:fillRef idx="0">
+                <a:schemeClr val="accent1"/>
+              </a:fillRef>
+              <a:effectRef idx="0">
+                <a:schemeClr val="accent1"/>
+              </a:effectRef>
+              <a:fontRef idx="minor">
+                <a:schemeClr val="tx1"/>
+              </a:fontRef>
+            </p:style>
+          </p:cxnSp>
+        </p:grpSp>
+        <p:cxnSp>
+          <p:nvCxnSpPr>
+            <p:cNvPr id="264" name="263 Conector recto"/>
+            <p:cNvCxnSpPr/>
+            <p:nvPr/>
+          </p:nvCxnSpPr>
+          <p:spPr>
+            <a:xfrm>
+              <a:off x="7572396" y="5357826"/>
+              <a:ext cx="142876" cy="1588"/>
+            </a:xfrm>
+            <a:prstGeom prst="line">
+              <a:avLst/>
+            </a:prstGeom>
+            <a:ln w="28575"/>
+          </p:spPr>
+          <p:style>
+            <a:lnRef idx="1">
+              <a:schemeClr val="accent1"/>
+            </a:lnRef>
+            <a:fillRef idx="0">
+              <a:schemeClr val="accent1"/>
+            </a:fillRef>
+            <a:effectRef idx="0">
+              <a:schemeClr val="accent1"/>
+            </a:effectRef>
+            <a:fontRef idx="minor">
+              <a:schemeClr val="tx1"/>
+            </a:fontRef>
+          </p:style>
+        </p:cxnSp>
+        <p:cxnSp>
+          <p:nvCxnSpPr>
+            <p:cNvPr id="265" name="264 Conector recto"/>
+            <p:cNvCxnSpPr/>
+            <p:nvPr/>
+          </p:nvCxnSpPr>
+          <p:spPr>
+            <a:xfrm rot="5400000">
+              <a:off x="7323157" y="5750735"/>
+              <a:ext cx="785024" cy="794"/>
+            </a:xfrm>
+            <a:prstGeom prst="line">
+              <a:avLst/>
+            </a:prstGeom>
+            <a:ln w="28575"/>
+          </p:spPr>
+          <p:style>
+            <a:lnRef idx="1">
+              <a:schemeClr val="accent1"/>
+            </a:lnRef>
+            <a:fillRef idx="0">
+              <a:schemeClr val="accent1"/>
+            </a:fillRef>
+            <a:effectRef idx="0">
+              <a:schemeClr val="accent1"/>
+            </a:effectRef>
+            <a:fontRef idx="minor">
+              <a:schemeClr val="tx1"/>
+            </a:fontRef>
+          </p:style>
+        </p:cxnSp>
+      </p:grpSp>
+      <p:sp>
+        <p:nvSpPr>
+          <p:cNvPr id="272" name="271 CuadroTexto"/>
+          <p:cNvSpPr txBox="1"/>
+          <p:nvPr/>
+        </p:nvSpPr>
+        <p:spPr>
+          <a:xfrm>
+            <a:off x="5715008" y="3857628"/>
+            <a:ext cx="1309974" cy="369332"/>
+          </a:xfrm>
+          <a:prstGeom prst="rect">
+            <a:avLst/>
+          </a:prstGeom>
+          <a:noFill/>
+        </p:spPr>
+        <p:txBody>
+          <a:bodyPr wrap="none" rtlCol="0">
+            <a:spAutoFit/>
+          </a:bodyPr>
+          <a:lstStyle/>
+          <a:p>
+            <a:r>
+              <a:rPr lang="es-ES" dirty="0" smtClean="0"/>
+              <a:t>&lt;</a:t>
+            </a:r>
+            <a:r>
+              <a:rPr lang="es-ES" strike="sngStrike" dirty="0" err="1" smtClean="0"/>
+              <a:t>out_busB</a:t>
+            </a:r>
+            <a:r>
+              <a:rPr lang="es-ES" dirty="0" smtClean="0"/>
+              <a:t>&gt;</a:t>
+            </a:r>
+            <a:endParaRPr lang="es-ES" dirty="0"/>
+          </a:p>
+        </p:txBody>
+      </p:sp>
+      <p:sp>
+        <p:nvSpPr>
+          <p:cNvPr id="273" name="272 CuadroTexto"/>
+          <p:cNvSpPr txBox="1"/>
+          <p:nvPr/>
+        </p:nvSpPr>
+        <p:spPr>
+          <a:xfrm>
+            <a:off x="5715008" y="3571876"/>
+            <a:ext cx="1317990" cy="369332"/>
+          </a:xfrm>
+          <a:prstGeom prst="rect">
+            <a:avLst/>
+          </a:prstGeom>
+          <a:noFill/>
+        </p:spPr>
+        <p:txBody>
+          <a:bodyPr wrap="none" rtlCol="0">
+            <a:spAutoFit/>
+          </a:bodyPr>
+          <a:lstStyle/>
+          <a:p>
+            <a:r>
+              <a:rPr lang="es-ES" dirty="0" smtClean="0"/>
+              <a:t>&lt;</a:t>
+            </a:r>
+            <a:r>
+              <a:rPr lang="es-ES" strike="sngStrike" dirty="0" err="1" smtClean="0"/>
+              <a:t>out_busA</a:t>
+            </a:r>
+            <a:r>
+              <a:rPr lang="es-ES" dirty="0" smtClean="0"/>
+              <a:t>&gt;</a:t>
+            </a:r>
+            <a:endParaRPr lang="es-ES" dirty="0"/>
+          </a:p>
+        </p:txBody>
+      </p:sp>
+      <p:sp>
+        <p:nvSpPr>
+          <p:cNvPr id="274" name="273 CuadroTexto"/>
+          <p:cNvSpPr txBox="1"/>
+          <p:nvPr/>
+        </p:nvSpPr>
+        <p:spPr>
+          <a:xfrm>
+            <a:off x="7072330" y="5072074"/>
+            <a:ext cx="1094852" cy="307777"/>
+          </a:xfrm>
+          <a:prstGeom prst="rect">
+            <a:avLst/>
+          </a:prstGeom>
+          <a:noFill/>
+        </p:spPr>
+        <p:txBody>
+          <a:bodyPr wrap="none" rtlCol="0">
+            <a:spAutoFit/>
+          </a:bodyPr>
+          <a:lstStyle/>
+          <a:p>
+            <a:r>
+              <a:rPr lang="es-ES" sz="1400" dirty="0" smtClean="0"/>
+              <a:t>&lt;</a:t>
+            </a:r>
+            <a:r>
+              <a:rPr lang="es-ES" sz="1400" dirty="0" err="1" smtClean="0"/>
+              <a:t>bus_write</a:t>
+            </a:r>
+            <a:r>
+              <a:rPr lang="es-ES" sz="1400" dirty="0" smtClean="0"/>
+              <a:t>&gt;</a:t>
+            </a:r>
+            <a:endParaRPr lang="es-ES" sz="1400" dirty="0"/>
+          </a:p>
+        </p:txBody>
+      </p:sp>
+      <p:sp>
+        <p:nvSpPr>
+          <p:cNvPr id="275" name="274 CuadroTexto"/>
+          <p:cNvSpPr txBox="1"/>
+          <p:nvPr/>
+        </p:nvSpPr>
+        <p:spPr>
+          <a:xfrm>
+            <a:off x="5643570" y="4929198"/>
+            <a:ext cx="936475" cy="307777"/>
+          </a:xfrm>
+          <a:prstGeom prst="rect">
+            <a:avLst/>
+          </a:prstGeom>
+          <a:noFill/>
+        </p:spPr>
+        <p:txBody>
+          <a:bodyPr wrap="none" rtlCol="0">
+            <a:spAutoFit/>
+          </a:bodyPr>
+          <a:lstStyle/>
+          <a:p>
+            <a:r>
+              <a:rPr lang="es-ES" sz="1400" dirty="0" smtClean="0"/>
+              <a:t>&lt;</a:t>
+            </a:r>
+            <a:r>
+              <a:rPr lang="es-ES" sz="1400" dirty="0" err="1" smtClean="0"/>
+              <a:t>bus_alu</a:t>
+            </a:r>
+            <a:r>
+              <a:rPr lang="es-ES" sz="1400" dirty="0" smtClean="0"/>
+              <a:t>&gt;</a:t>
+            </a:r>
+            <a:endParaRPr lang="es-ES" sz="1400" dirty="0"/>
+          </a:p>
+        </p:txBody>
+      </p:sp>
+      <p:sp>
+        <p:nvSpPr>
+          <p:cNvPr id="276" name="275 CuadroTexto"/>
+          <p:cNvSpPr txBox="1"/>
+          <p:nvPr/>
+        </p:nvSpPr>
+        <p:spPr>
+          <a:xfrm>
+            <a:off x="7215206" y="6000768"/>
+            <a:ext cx="1070037" cy="307777"/>
+          </a:xfrm>
+          <a:prstGeom prst="rect">
+            <a:avLst/>
+          </a:prstGeom>
+          <a:noFill/>
+        </p:spPr>
+        <p:txBody>
+          <a:bodyPr wrap="none" rtlCol="0">
+            <a:spAutoFit/>
+          </a:bodyPr>
+          <a:lstStyle/>
+          <a:p>
+            <a:r>
+              <a:rPr lang="es-ES" sz="1400" dirty="0" smtClean="0"/>
+              <a:t>&lt;</a:t>
+            </a:r>
+            <a:r>
+              <a:rPr lang="es-ES" sz="1400" dirty="0" err="1" smtClean="0"/>
+              <a:t>reg_write</a:t>
+            </a:r>
+            <a:r>
+              <a:rPr lang="es-ES" sz="1400" dirty="0" smtClean="0"/>
+              <a:t>&gt;</a:t>
+            </a:r>
+            <a:endParaRPr lang="es-ES" sz="1400" dirty="0"/>
+          </a:p>
+        </p:txBody>
+      </p:sp>
+      <p:sp>
+        <p:nvSpPr>
+          <p:cNvPr id="278" name="277 CuadroTexto"/>
+          <p:cNvSpPr txBox="1"/>
+          <p:nvPr/>
+        </p:nvSpPr>
+        <p:spPr>
+          <a:xfrm>
+            <a:off x="785786" y="4214818"/>
+            <a:ext cx="1044517" cy="369332"/>
+          </a:xfrm>
+          <a:prstGeom prst="rect">
+            <a:avLst/>
+          </a:prstGeom>
+          <a:noFill/>
+        </p:spPr>
+        <p:txBody>
+          <a:bodyPr wrap="none" rtlCol="0">
+            <a:spAutoFit/>
+          </a:bodyPr>
+          <a:lstStyle/>
+          <a:p>
+            <a:r>
+              <a:rPr lang="es-ES" dirty="0" smtClean="0"/>
+              <a:t>&lt;</a:t>
+            </a:r>
+            <a:r>
+              <a:rPr lang="es-ES" strike="sngStrike" dirty="0" err="1" smtClean="0"/>
+              <a:t>in_inst</a:t>
+            </a:r>
+            <a:r>
+              <a:rPr lang="es-ES" dirty="0" smtClean="0"/>
+              <a:t>&gt;</a:t>
+            </a:r>
+            <a:endParaRPr lang="es-ES" dirty="0"/>
+          </a:p>
+        </p:txBody>
+      </p:sp>
+      <p:sp>
+        <p:nvSpPr>
+          <p:cNvPr id="279" name="278 CuadroTexto"/>
+          <p:cNvSpPr txBox="1"/>
+          <p:nvPr/>
+        </p:nvSpPr>
+        <p:spPr>
+          <a:xfrm>
+            <a:off x="7429520" y="6286520"/>
+            <a:ext cx="1088760" cy="261610"/>
+          </a:xfrm>
+          <a:prstGeom prst="rect">
+            <a:avLst/>
+          </a:prstGeom>
+          <a:noFill/>
+        </p:spPr>
+        <p:txBody>
+          <a:bodyPr wrap="none" rtlCol="0">
+            <a:spAutoFit/>
+          </a:bodyPr>
+          <a:lstStyle/>
+          <a:p>
+            <a:r>
+              <a:rPr lang="es-ES" sz="1100" dirty="0" smtClean="0">
+                <a:solidFill>
+                  <a:srgbClr val="FF0000"/>
+                </a:solidFill>
+              </a:rPr>
+              <a:t>&lt;</a:t>
+            </a:r>
+            <a:r>
+              <a:rPr lang="es-ES" sz="1100" dirty="0" err="1" smtClean="0">
+                <a:solidFill>
+                  <a:srgbClr val="FF0000"/>
+                </a:solidFill>
+              </a:rPr>
+              <a:t>ctr_RegWrite</a:t>
+            </a:r>
+            <a:r>
+              <a:rPr lang="es-ES" sz="1100" dirty="0" smtClean="0">
+                <a:solidFill>
+                  <a:srgbClr val="FF0000"/>
+                </a:solidFill>
+              </a:rPr>
+              <a:t>&gt;</a:t>
+            </a:r>
+            <a:endParaRPr lang="es-ES" sz="1100" dirty="0">
+              <a:solidFill>
+                <a:srgbClr val="FF0000"/>
+              </a:solidFill>
+            </a:endParaRPr>
+          </a:p>
+        </p:txBody>
+      </p:sp>
+      <p:sp>
+        <p:nvSpPr>
+          <p:cNvPr id="280" name="279 CuadroTexto"/>
+          <p:cNvSpPr txBox="1"/>
+          <p:nvPr/>
+        </p:nvSpPr>
+        <p:spPr>
+          <a:xfrm>
+            <a:off x="5572132" y="5286388"/>
+            <a:ext cx="1088760" cy="307777"/>
+          </a:xfrm>
+          <a:prstGeom prst="rect">
+            <a:avLst/>
+          </a:prstGeom>
+          <a:noFill/>
+        </p:spPr>
+        <p:txBody>
+          <a:bodyPr wrap="none" rtlCol="0">
+            <a:spAutoFit/>
+          </a:bodyPr>
+          <a:lstStyle/>
+          <a:p>
+            <a:r>
+              <a:rPr lang="es-ES" sz="1400" dirty="0" smtClean="0"/>
+              <a:t>&lt;</a:t>
+            </a:r>
+            <a:r>
+              <a:rPr lang="es-ES" sz="1400" dirty="0" err="1" smtClean="0"/>
+              <a:t>bus_mem</a:t>
+            </a:r>
+            <a:r>
+              <a:rPr lang="es-ES" sz="1400" dirty="0" smtClean="0"/>
+              <a:t>&gt;</a:t>
+            </a:r>
+            <a:endParaRPr lang="es-ES" sz="1400" dirty="0"/>
+          </a:p>
+        </p:txBody>
+      </p:sp>
+      <p:sp>
+        <p:nvSpPr>
+          <p:cNvPr id="286" name="285 CuadroTexto"/>
+          <p:cNvSpPr txBox="1"/>
+          <p:nvPr/>
+        </p:nvSpPr>
+        <p:spPr>
+          <a:xfrm>
+            <a:off x="6572264" y="4572008"/>
+            <a:ext cx="1152880" cy="261610"/>
+          </a:xfrm>
+          <a:prstGeom prst="rect">
+            <a:avLst/>
+          </a:prstGeom>
+          <a:noFill/>
+        </p:spPr>
+        <p:txBody>
+          <a:bodyPr wrap="none" rtlCol="0">
+            <a:spAutoFit/>
+          </a:bodyPr>
+          <a:lstStyle/>
+          <a:p>
+            <a:r>
+              <a:rPr lang="es-ES" sz="1100" dirty="0" smtClean="0">
+                <a:solidFill>
+                  <a:srgbClr val="FF0000"/>
+                </a:solidFill>
+              </a:rPr>
+              <a:t>&lt;</a:t>
+            </a:r>
+            <a:r>
+              <a:rPr lang="es-ES" sz="1100" dirty="0" err="1" smtClean="0">
+                <a:solidFill>
+                  <a:srgbClr val="FF0000"/>
+                </a:solidFill>
+              </a:rPr>
+              <a:t>ctr_memtoreg</a:t>
+            </a:r>
+            <a:r>
+              <a:rPr lang="es-ES" sz="1100" dirty="0" smtClean="0">
+                <a:solidFill>
+                  <a:srgbClr val="FF0000"/>
+                </a:solidFill>
+              </a:rPr>
+              <a:t>&gt;</a:t>
+            </a:r>
+            <a:endParaRPr lang="es-ES" sz="1100" dirty="0">
+              <a:solidFill>
+                <a:srgbClr val="FF0000"/>
+              </a:solidFill>
+            </a:endParaRPr>
+          </a:p>
+        </p:txBody>
+      </p:sp>
     </p:spTree>
   </p:cSld>
   <p:clrMapOvr>

--- a/PDFs/Representación Procesador.pptx
+++ b/PDFs/Representación Procesador.pptx
@@ -10,7 +10,8 @@
     <p:sldId id="258" r:id="rId4"/>
     <p:sldId id="259" r:id="rId5"/>
     <p:sldId id="260" r:id="rId6"/>
-    <p:sldId id="261" r:id="rId7"/>
+    <p:sldId id="262" r:id="rId7"/>
+    <p:sldId id="261" r:id="rId8"/>
   </p:sldIdLst>
   <p:sldSz cx="9144000" cy="6858000" type="screen4x3"/>
   <p:notesSz cx="6858000" cy="9144000"/>
@@ -3072,7 +3073,7 @@
         </p:nvGrpSpPr>
         <p:grpSpPr>
           <a:xfrm>
-            <a:off x="857224" y="1857364"/>
+            <a:off x="857224" y="1571612"/>
             <a:ext cx="6357982" cy="1643869"/>
             <a:chOff x="928662" y="71413"/>
             <a:chExt cx="6357982" cy="1643869"/>
@@ -3530,7 +3531,7 @@
         </p:nvGrpSpPr>
         <p:grpSpPr>
           <a:xfrm>
-            <a:off x="5857884" y="3286125"/>
+            <a:off x="5857884" y="3000373"/>
             <a:ext cx="2271722" cy="2557474"/>
             <a:chOff x="5857884" y="2357430"/>
             <a:chExt cx="2271722" cy="2557474"/>
@@ -4372,7 +4373,7 @@
         </p:nvGrpSpPr>
         <p:grpSpPr>
           <a:xfrm>
-            <a:off x="3990975" y="2143117"/>
+            <a:off x="3990975" y="1857365"/>
             <a:ext cx="2924185" cy="3700482"/>
             <a:chOff x="3990975" y="1214422"/>
             <a:chExt cx="2924185" cy="3700482"/>
@@ -5943,7 +5944,7 @@
         </p:nvGrpSpPr>
         <p:grpSpPr>
           <a:xfrm>
-            <a:off x="2214546" y="2928935"/>
+            <a:off x="2214546" y="2643183"/>
             <a:ext cx="1914532" cy="2628912"/>
             <a:chOff x="2285984" y="1142984"/>
             <a:chExt cx="1914532" cy="2628912"/>
@@ -7553,7 +7554,7 @@
         </p:nvGrpSpPr>
         <p:grpSpPr>
           <a:xfrm>
-            <a:off x="214282" y="2928935"/>
+            <a:off x="214282" y="2643183"/>
             <a:ext cx="1985970" cy="1700218"/>
             <a:chOff x="285720" y="1142984"/>
             <a:chExt cx="1985970" cy="1700218"/>
@@ -8368,7 +8369,7 @@
         </p:nvGrpSpPr>
         <p:grpSpPr>
           <a:xfrm>
-            <a:off x="285720" y="5786454"/>
+            <a:off x="285720" y="5857892"/>
             <a:ext cx="271458" cy="414334"/>
             <a:chOff x="4071934" y="1714488"/>
             <a:chExt cx="271458" cy="414334"/>
@@ -8470,7 +8471,7 @@
         </p:nvGrpSpPr>
         <p:grpSpPr>
           <a:xfrm>
-            <a:off x="642910" y="5715016"/>
+            <a:off x="642910" y="5786454"/>
             <a:ext cx="357190" cy="500066"/>
             <a:chOff x="2000232" y="2857496"/>
             <a:chExt cx="357190" cy="500066"/>
@@ -8628,7 +8629,7 @@
         </p:nvGrpSpPr>
         <p:grpSpPr>
           <a:xfrm>
-            <a:off x="2857488" y="3357563"/>
+            <a:off x="2857488" y="3071811"/>
             <a:ext cx="6073024" cy="2930546"/>
             <a:chOff x="2857488" y="2428868"/>
             <a:chExt cx="6073024" cy="2930546"/>
@@ -17409,18 +17410,34 @@
           <a:lstStyle/>
           <a:p>
             <a:r>
-              <a:rPr lang="es-ES" dirty="0" smtClean="0"/>
+              <a:rPr lang="es-ES" dirty="0" smtClean="0">
+                <a:solidFill>
+                  <a:srgbClr val="FF0000"/>
+                </a:solidFill>
+              </a:rPr>
               <a:t>&lt;</a:t>
             </a:r>
             <a:r>
-              <a:rPr lang="es-ES" dirty="0" err="1" smtClean="0"/>
+              <a:rPr lang="es-ES" dirty="0" err="1" smtClean="0">
+                <a:solidFill>
+                  <a:srgbClr val="FF0000"/>
+                </a:solidFill>
+              </a:rPr>
               <a:t>in_exe_ctr</a:t>
             </a:r>
             <a:r>
-              <a:rPr lang="es-ES" dirty="0" smtClean="0"/>
+              <a:rPr lang="es-ES" dirty="0" smtClean="0">
+                <a:solidFill>
+                  <a:srgbClr val="FF0000"/>
+                </a:solidFill>
+              </a:rPr>
               <a:t>&gt;</a:t>
             </a:r>
-            <a:endParaRPr lang="es-ES" dirty="0"/>
+            <a:endParaRPr lang="es-ES" dirty="0">
+              <a:solidFill>
+                <a:srgbClr val="FF0000"/>
+              </a:solidFill>
+            </a:endParaRPr>
           </a:p>
         </p:txBody>
       </p:sp>
@@ -19060,18 +19077,34 @@
           <a:lstStyle/>
           <a:p>
             <a:r>
-              <a:rPr lang="es-ES" dirty="0" smtClean="0"/>
+              <a:rPr lang="es-ES" dirty="0" smtClean="0">
+                <a:solidFill>
+                  <a:srgbClr val="FF0000"/>
+                </a:solidFill>
+              </a:rPr>
               <a:t>&lt;</a:t>
             </a:r>
             <a:r>
-              <a:rPr lang="es-ES" dirty="0" err="1" smtClean="0"/>
+              <a:rPr lang="es-ES" dirty="0" err="1" smtClean="0">
+                <a:solidFill>
+                  <a:srgbClr val="FF0000"/>
+                </a:solidFill>
+              </a:rPr>
               <a:t>in_mem_ctr</a:t>
             </a:r>
             <a:r>
-              <a:rPr lang="es-ES" dirty="0" smtClean="0"/>
+              <a:rPr lang="es-ES" dirty="0" smtClean="0">
+                <a:solidFill>
+                  <a:srgbClr val="FF0000"/>
+                </a:solidFill>
+              </a:rPr>
               <a:t>&gt;</a:t>
             </a:r>
-            <a:endParaRPr lang="es-ES" dirty="0"/>
+            <a:endParaRPr lang="es-ES" dirty="0">
+              <a:solidFill>
+                <a:srgbClr val="FF0000"/>
+              </a:solidFill>
+            </a:endParaRPr>
           </a:p>
         </p:txBody>
       </p:sp>
@@ -19192,6 +19225,1182 @@
 </file>
 
 <file path=ppt/slides/slide6.xml><?xml version="1.0" encoding="utf-8"?>
+<p:sld xmlns:a="http://schemas.openxmlformats.org/drawingml/2006/main" xmlns:r="http://schemas.openxmlformats.org/officeDocument/2006/relationships" xmlns:p="http://schemas.openxmlformats.org/presentationml/2006/main">
+  <p:cSld>
+    <p:spTree>
+      <p:nvGrpSpPr>
+        <p:cNvPr id="1" name=""/>
+        <p:cNvGrpSpPr/>
+        <p:nvPr/>
+      </p:nvGrpSpPr>
+      <p:grpSpPr>
+        <a:xfrm>
+          <a:off x="0" y="0"/>
+          <a:ext cx="0" cy="0"/>
+          <a:chOff x="0" y="0"/>
+          <a:chExt cx="0" cy="0"/>
+        </a:xfrm>
+      </p:grpSpPr>
+      <p:sp>
+        <p:nvSpPr>
+          <p:cNvPr id="2" name="1 Título"/>
+          <p:cNvSpPr>
+            <a:spLocks noGrp="1"/>
+          </p:cNvSpPr>
+          <p:nvPr>
+            <p:ph type="title"/>
+          </p:nvPr>
+        </p:nvSpPr>
+        <p:spPr/>
+        <p:txBody>
+          <a:bodyPr>
+            <a:normAutofit/>
+          </a:bodyPr>
+          <a:lstStyle/>
+          <a:p>
+            <a:r>
+              <a:rPr lang="es-ES" dirty="0" err="1" smtClean="0"/>
+              <a:t>Branch</a:t>
+            </a:r>
+            <a:r>
+              <a:rPr lang="es-ES" dirty="0" smtClean="0"/>
+              <a:t> &amp; PC</a:t>
+            </a:r>
+            <a:endParaRPr lang="es-ES" dirty="0"/>
+          </a:p>
+        </p:txBody>
+      </p:sp>
+      <p:grpSp>
+        <p:nvGrpSpPr>
+          <p:cNvPr id="95" name="94 Grupo"/>
+          <p:cNvGrpSpPr/>
+          <p:nvPr/>
+        </p:nvGrpSpPr>
+        <p:grpSpPr>
+          <a:xfrm>
+            <a:off x="2857488" y="1857364"/>
+            <a:ext cx="3214709" cy="3786214"/>
+            <a:chOff x="2998703" y="2143116"/>
+            <a:chExt cx="1644735" cy="2643207"/>
+          </a:xfrm>
+        </p:grpSpPr>
+        <p:grpSp>
+          <p:nvGrpSpPr>
+            <p:cNvPr id="94" name="93 Grupo"/>
+            <p:cNvGrpSpPr/>
+            <p:nvPr/>
+          </p:nvGrpSpPr>
+          <p:grpSpPr>
+            <a:xfrm>
+              <a:off x="2998703" y="3286125"/>
+              <a:ext cx="1574885" cy="1500198"/>
+              <a:chOff x="2998703" y="3286125"/>
+              <a:chExt cx="1574885" cy="1500198"/>
+            </a:xfrm>
+          </p:grpSpPr>
+          <p:cxnSp>
+            <p:nvCxnSpPr>
+              <p:cNvPr id="69" name="5 Conector recto de flecha"/>
+              <p:cNvCxnSpPr/>
+              <p:nvPr/>
+            </p:nvCxnSpPr>
+            <p:spPr>
+              <a:xfrm>
+                <a:off x="2998703" y="4137989"/>
+                <a:ext cx="359645" cy="6980"/>
+              </a:xfrm>
+              <a:prstGeom prst="straightConnector1">
+                <a:avLst/>
+              </a:prstGeom>
+              <a:ln w="28575">
+                <a:tailEnd type="arrow"/>
+              </a:ln>
+            </p:spPr>
+            <p:style>
+              <a:lnRef idx="1">
+                <a:schemeClr val="accent1"/>
+              </a:lnRef>
+              <a:fillRef idx="0">
+                <a:schemeClr val="accent1"/>
+              </a:fillRef>
+              <a:effectRef idx="0">
+                <a:schemeClr val="accent1"/>
+              </a:effectRef>
+              <a:fontRef idx="minor">
+                <a:schemeClr val="tx1"/>
+              </a:fontRef>
+            </p:style>
+          </p:cxnSp>
+          <p:cxnSp>
+            <p:nvCxnSpPr>
+              <p:cNvPr id="70" name="18 Conector recto de flecha"/>
+              <p:cNvCxnSpPr/>
+              <p:nvPr/>
+            </p:nvCxnSpPr>
+            <p:spPr>
+              <a:xfrm rot="10800000">
+                <a:off x="4144166" y="3714753"/>
+                <a:ext cx="428628" cy="1588"/>
+              </a:xfrm>
+              <a:prstGeom prst="straightConnector1">
+                <a:avLst/>
+              </a:prstGeom>
+              <a:ln w="28575">
+                <a:tailEnd type="arrow"/>
+              </a:ln>
+            </p:spPr>
+            <p:style>
+              <a:lnRef idx="1">
+                <a:schemeClr val="accent1"/>
+              </a:lnRef>
+              <a:fillRef idx="0">
+                <a:schemeClr val="accent1"/>
+              </a:fillRef>
+              <a:effectRef idx="0">
+                <a:schemeClr val="accent1"/>
+              </a:effectRef>
+              <a:fontRef idx="minor">
+                <a:schemeClr val="tx1"/>
+              </a:fontRef>
+            </p:style>
+          </p:cxnSp>
+          <p:cxnSp>
+            <p:nvCxnSpPr>
+              <p:cNvPr id="71" name="70 Conector recto"/>
+              <p:cNvCxnSpPr/>
+              <p:nvPr/>
+            </p:nvCxnSpPr>
+            <p:spPr>
+              <a:xfrm>
+                <a:off x="4215604" y="4143381"/>
+                <a:ext cx="357190" cy="1588"/>
+              </a:xfrm>
+              <a:prstGeom prst="line">
+                <a:avLst/>
+              </a:prstGeom>
+              <a:ln w="28575"/>
+            </p:spPr>
+            <p:style>
+              <a:lnRef idx="1">
+                <a:schemeClr val="accent1"/>
+              </a:lnRef>
+              <a:fillRef idx="0">
+                <a:schemeClr val="accent1"/>
+              </a:fillRef>
+              <a:effectRef idx="0">
+                <a:schemeClr val="accent1"/>
+              </a:effectRef>
+              <a:fontRef idx="minor">
+                <a:schemeClr val="tx1"/>
+              </a:fontRef>
+            </p:style>
+          </p:cxnSp>
+          <p:cxnSp>
+            <p:nvCxnSpPr>
+              <p:cNvPr id="72" name="71 Conector recto"/>
+              <p:cNvCxnSpPr/>
+              <p:nvPr/>
+            </p:nvCxnSpPr>
+            <p:spPr>
+              <a:xfrm rot="5400000">
+                <a:off x="4358480" y="3929067"/>
+                <a:ext cx="428628" cy="1588"/>
+              </a:xfrm>
+              <a:prstGeom prst="line">
+                <a:avLst/>
+              </a:prstGeom>
+              <a:ln w="28575"/>
+            </p:spPr>
+            <p:style>
+              <a:lnRef idx="1">
+                <a:schemeClr val="accent1"/>
+              </a:lnRef>
+              <a:fillRef idx="0">
+                <a:schemeClr val="accent1"/>
+              </a:fillRef>
+              <a:effectRef idx="0">
+                <a:schemeClr val="accent1"/>
+              </a:effectRef>
+              <a:fontRef idx="minor">
+                <a:schemeClr val="tx1"/>
+              </a:fontRef>
+            </p:style>
+          </p:cxnSp>
+          <p:cxnSp>
+            <p:nvCxnSpPr>
+              <p:cNvPr id="73" name="72 Conector recto"/>
+              <p:cNvCxnSpPr/>
+              <p:nvPr/>
+            </p:nvCxnSpPr>
+            <p:spPr>
+              <a:xfrm>
+                <a:off x="2998703" y="3639271"/>
+                <a:ext cx="142876" cy="1588"/>
+              </a:xfrm>
+              <a:prstGeom prst="line">
+                <a:avLst/>
+              </a:prstGeom>
+              <a:ln w="28575"/>
+            </p:spPr>
+            <p:style>
+              <a:lnRef idx="1">
+                <a:schemeClr val="accent1"/>
+              </a:lnRef>
+              <a:fillRef idx="0">
+                <a:schemeClr val="accent1"/>
+              </a:fillRef>
+              <a:effectRef idx="0">
+                <a:schemeClr val="accent1"/>
+              </a:effectRef>
+              <a:fontRef idx="minor">
+                <a:schemeClr val="tx1"/>
+              </a:fontRef>
+            </p:style>
+          </p:cxnSp>
+          <p:cxnSp>
+            <p:nvCxnSpPr>
+              <p:cNvPr id="74" name="73 Conector recto"/>
+              <p:cNvCxnSpPr/>
+              <p:nvPr/>
+            </p:nvCxnSpPr>
+            <p:spPr>
+              <a:xfrm rot="5400000">
+                <a:off x="2749464" y="3888510"/>
+                <a:ext cx="500066" cy="1588"/>
+              </a:xfrm>
+              <a:prstGeom prst="line">
+                <a:avLst/>
+              </a:prstGeom>
+              <a:ln w="28575"/>
+            </p:spPr>
+            <p:style>
+              <a:lnRef idx="1">
+                <a:schemeClr val="accent1"/>
+              </a:lnRef>
+              <a:fillRef idx="0">
+                <a:schemeClr val="accent1"/>
+              </a:fillRef>
+              <a:effectRef idx="0">
+                <a:schemeClr val="accent1"/>
+              </a:effectRef>
+              <a:fontRef idx="minor">
+                <a:schemeClr val="tx1"/>
+              </a:fontRef>
+            </p:style>
+          </p:cxnSp>
+          <p:grpSp>
+            <p:nvGrpSpPr>
+              <p:cNvPr id="75" name="47 Grupo"/>
+              <p:cNvGrpSpPr/>
+              <p:nvPr/>
+            </p:nvGrpSpPr>
+            <p:grpSpPr>
+              <a:xfrm>
+                <a:off x="3144902" y="3286125"/>
+                <a:ext cx="1002659" cy="504109"/>
+                <a:chOff x="1572472" y="714356"/>
+                <a:chExt cx="1002659" cy="504109"/>
+              </a:xfrm>
+            </p:grpSpPr>
+            <p:grpSp>
+              <p:nvGrpSpPr>
+                <p:cNvPr id="77" name="16 Grupo"/>
+                <p:cNvGrpSpPr/>
+                <p:nvPr/>
+              </p:nvGrpSpPr>
+              <p:grpSpPr>
+                <a:xfrm rot="10800000">
+                  <a:off x="1572472" y="718399"/>
+                  <a:ext cx="219298" cy="452889"/>
+                  <a:chOff x="4194664" y="1671890"/>
+                  <a:chExt cx="219298" cy="452889"/>
+                </a:xfrm>
+              </p:grpSpPr>
+              <p:sp>
+                <p:nvSpPr>
+                  <p:cNvPr id="83" name="82 Rectángulo"/>
+                  <p:cNvSpPr/>
+                  <p:nvPr/>
+                </p:nvSpPr>
+                <p:spPr>
+                  <a:xfrm>
+                    <a:off x="4194664" y="1671890"/>
+                    <a:ext cx="219298" cy="452889"/>
+                  </a:xfrm>
+                  <a:prstGeom prst="rect">
+                    <a:avLst/>
+                  </a:prstGeom>
+                </p:spPr>
+                <p:style>
+                  <a:lnRef idx="2">
+                    <a:schemeClr val="accent1">
+                      <a:shade val="50000"/>
+                    </a:schemeClr>
+                  </a:lnRef>
+                  <a:fillRef idx="1">
+                    <a:schemeClr val="accent1"/>
+                  </a:fillRef>
+                  <a:effectRef idx="0">
+                    <a:schemeClr val="accent1"/>
+                  </a:effectRef>
+                  <a:fontRef idx="minor">
+                    <a:schemeClr val="lt1"/>
+                  </a:fontRef>
+                </p:style>
+                <p:txBody>
+                  <a:bodyPr rtlCol="0" anchor="ctr"/>
+                  <a:lstStyle/>
+                  <a:p>
+                    <a:pPr algn="ctr"/>
+                    <a:r>
+                      <a:rPr lang="es-ES" sz="1400" dirty="0" smtClean="0"/>
+                      <a:t>R</a:t>
+                    </a:r>
+                  </a:p>
+                  <a:p>
+                    <a:pPr algn="ctr"/>
+                    <a:endParaRPr lang="es-ES" sz="1200" dirty="0"/>
+                  </a:p>
+                </p:txBody>
+              </p:sp>
+              <p:sp>
+                <p:nvSpPr>
+                  <p:cNvPr id="84" name="83 Triángulo isósceles"/>
+                  <p:cNvSpPr/>
+                  <p:nvPr/>
+                </p:nvSpPr>
+                <p:spPr>
+                  <a:xfrm rot="5400000">
+                    <a:off x="4176296" y="1946888"/>
+                    <a:ext cx="146386" cy="109649"/>
+                  </a:xfrm>
+                  <a:prstGeom prst="triangle">
+                    <a:avLst/>
+                  </a:prstGeom>
+                </p:spPr>
+                <p:style>
+                  <a:lnRef idx="2">
+                    <a:schemeClr val="accent1">
+                      <a:shade val="50000"/>
+                    </a:schemeClr>
+                  </a:lnRef>
+                  <a:fillRef idx="1">
+                    <a:schemeClr val="accent1"/>
+                  </a:fillRef>
+                  <a:effectRef idx="0">
+                    <a:schemeClr val="accent1"/>
+                  </a:effectRef>
+                  <a:fontRef idx="minor">
+                    <a:schemeClr val="lt1"/>
+                  </a:fontRef>
+                </p:style>
+                <p:txBody>
+                  <a:bodyPr rtlCol="0" anchor="ctr"/>
+                  <a:lstStyle/>
+                  <a:p>
+                    <a:pPr algn="ctr"/>
+                    <a:endParaRPr lang="es-ES"/>
+                  </a:p>
+                </p:txBody>
+              </p:sp>
+            </p:grpSp>
+            <p:grpSp>
+              <p:nvGrpSpPr>
+                <p:cNvPr id="78" name="45 Grupo"/>
+                <p:cNvGrpSpPr/>
+                <p:nvPr/>
+              </p:nvGrpSpPr>
+              <p:grpSpPr>
+                <a:xfrm>
+                  <a:off x="1791771" y="714356"/>
+                  <a:ext cx="783360" cy="504109"/>
+                  <a:chOff x="1434581" y="785794"/>
+                  <a:chExt cx="783360" cy="504109"/>
+                </a:xfrm>
+              </p:grpSpPr>
+              <p:grpSp>
+                <p:nvGrpSpPr>
+                  <p:cNvPr id="79" name="33 Grupo"/>
+                  <p:cNvGrpSpPr/>
+                  <p:nvPr/>
+                </p:nvGrpSpPr>
+                <p:grpSpPr>
+                  <a:xfrm rot="10800000">
+                    <a:off x="1946273" y="785794"/>
+                    <a:ext cx="271668" cy="504109"/>
+                    <a:chOff x="1996837" y="2853453"/>
+                    <a:chExt cx="271668" cy="504109"/>
+                  </a:xfrm>
+                </p:grpSpPr>
+                <p:sp>
+                  <p:nvSpPr>
+                    <p:cNvPr id="81" name="34 Rectángulo"/>
+                    <p:cNvSpPr/>
+                    <p:nvPr/>
+                  </p:nvSpPr>
+                  <p:spPr>
+                    <a:xfrm>
+                      <a:off x="2000233" y="2857496"/>
+                      <a:ext cx="268272" cy="500066"/>
+                    </a:xfrm>
+                    <a:prstGeom prst="rect">
+                      <a:avLst/>
+                    </a:prstGeom>
+                  </p:spPr>
+                  <p:style>
+                    <a:lnRef idx="2">
+                      <a:schemeClr val="accent1">
+                        <a:shade val="50000"/>
+                      </a:schemeClr>
+                    </a:lnRef>
+                    <a:fillRef idx="1">
+                      <a:schemeClr val="accent1"/>
+                    </a:fillRef>
+                    <a:effectRef idx="0">
+                      <a:schemeClr val="accent1"/>
+                    </a:effectRef>
+                    <a:fontRef idx="minor">
+                      <a:schemeClr val="lt1"/>
+                    </a:fontRef>
+                  </p:style>
+                  <p:txBody>
+                    <a:bodyPr rtlCol="0" anchor="ctr"/>
+                    <a:lstStyle/>
+                    <a:p>
+                      <a:pPr algn="ctr"/>
+                      <a:endParaRPr lang="es-ES" dirty="0"/>
+                    </a:p>
+                  </p:txBody>
+                </p:sp>
+                <p:sp>
+                  <p:nvSpPr>
+                    <p:cNvPr id="82" name="35 Triángulo isósceles"/>
+                    <p:cNvSpPr/>
+                    <p:nvPr/>
+                  </p:nvSpPr>
+                  <p:spPr>
+                    <a:xfrm rot="5400000">
+                      <a:off x="1882637" y="2967653"/>
+                      <a:ext cx="500066" cy="271666"/>
+                    </a:xfrm>
+                    <a:prstGeom prst="triangle">
+                      <a:avLst/>
+                    </a:prstGeom>
+                  </p:spPr>
+                  <p:style>
+                    <a:lnRef idx="2">
+                      <a:schemeClr val="accent1">
+                        <a:shade val="50000"/>
+                      </a:schemeClr>
+                    </a:lnRef>
+                    <a:fillRef idx="1">
+                      <a:schemeClr val="accent1"/>
+                    </a:fillRef>
+                    <a:effectRef idx="0">
+                      <a:schemeClr val="accent1"/>
+                    </a:effectRef>
+                    <a:fontRef idx="minor">
+                      <a:schemeClr val="lt1"/>
+                    </a:fontRef>
+                  </p:style>
+                  <p:txBody>
+                    <a:bodyPr rtlCol="0" anchor="ctr"/>
+                    <a:lstStyle/>
+                    <a:p>
+                      <a:pPr algn="ctr"/>
+                      <a:endParaRPr lang="es-ES" sz="800" dirty="0"/>
+                    </a:p>
+                  </p:txBody>
+                </p:sp>
+              </p:grpSp>
+              <p:cxnSp>
+                <p:nvCxnSpPr>
+                  <p:cNvPr id="80" name="79 Conector recto de flecha"/>
+                  <p:cNvCxnSpPr/>
+                  <p:nvPr/>
+                </p:nvCxnSpPr>
+                <p:spPr>
+                  <a:xfrm rot="10800000" flipV="1">
+                    <a:off x="1434581" y="1039195"/>
+                    <a:ext cx="511695" cy="99070"/>
+                  </a:xfrm>
+                  <a:prstGeom prst="bentConnector3">
+                    <a:avLst>
+                      <a:gd name="adj1" fmla="val 50000"/>
+                    </a:avLst>
+                  </a:prstGeom>
+                  <a:ln w="28575">
+                    <a:tailEnd type="arrow"/>
+                  </a:ln>
+                </p:spPr>
+                <p:style>
+                  <a:lnRef idx="1">
+                    <a:schemeClr val="accent1"/>
+                  </a:lnRef>
+                  <a:fillRef idx="0">
+                    <a:schemeClr val="accent1"/>
+                  </a:fillRef>
+                  <a:effectRef idx="0">
+                    <a:schemeClr val="accent1"/>
+                  </a:effectRef>
+                  <a:fontRef idx="minor">
+                    <a:schemeClr val="tx1"/>
+                  </a:fontRef>
+                </p:style>
+              </p:cxnSp>
+            </p:grpSp>
+          </p:grpSp>
+          <p:sp>
+            <p:nvSpPr>
+              <p:cNvPr id="76" name="75 Rectángulo"/>
+              <p:cNvSpPr/>
+              <p:nvPr/>
+            </p:nvSpPr>
+            <p:spPr>
+              <a:xfrm>
+                <a:off x="3358348" y="3929067"/>
+                <a:ext cx="857256" cy="857256"/>
+              </a:xfrm>
+              <a:prstGeom prst="rect">
+                <a:avLst/>
+              </a:prstGeom>
+              <a:solidFill>
+                <a:schemeClr val="tx1">
+                  <a:lumMod val="50000"/>
+                  <a:lumOff val="50000"/>
+                </a:schemeClr>
+              </a:solidFill>
+              <a:ln>
+                <a:solidFill>
+                  <a:schemeClr val="tx1"/>
+                </a:solidFill>
+              </a:ln>
+            </p:spPr>
+            <p:style>
+              <a:lnRef idx="2">
+                <a:schemeClr val="accent1">
+                  <a:shade val="50000"/>
+                </a:schemeClr>
+              </a:lnRef>
+              <a:fillRef idx="1">
+                <a:schemeClr val="accent1"/>
+              </a:fillRef>
+              <a:effectRef idx="0">
+                <a:schemeClr val="accent1"/>
+              </a:effectRef>
+              <a:fontRef idx="minor">
+                <a:schemeClr val="lt1"/>
+              </a:fontRef>
+            </p:style>
+            <p:txBody>
+              <a:bodyPr rtlCol="0" anchor="ctr"/>
+              <a:lstStyle/>
+              <a:p>
+                <a:pPr algn="ctr"/>
+                <a:r>
+                  <a:rPr lang="es-ES" dirty="0" smtClean="0"/>
+                  <a:t>IF</a:t>
+                </a:r>
+              </a:p>
+            </p:txBody>
+          </p:sp>
+        </p:grpSp>
+        <p:grpSp>
+          <p:nvGrpSpPr>
+            <p:cNvPr id="93" name="92 Grupo"/>
+            <p:cNvGrpSpPr/>
+            <p:nvPr/>
+          </p:nvGrpSpPr>
+          <p:grpSpPr>
+            <a:xfrm>
+              <a:off x="3714744" y="2143116"/>
+              <a:ext cx="928694" cy="1285884"/>
+              <a:chOff x="3714744" y="2143116"/>
+              <a:chExt cx="928694" cy="1285884"/>
+            </a:xfrm>
+          </p:grpSpPr>
+          <p:cxnSp>
+            <p:nvCxnSpPr>
+              <p:cNvPr id="47" name="46 Conector recto de flecha"/>
+              <p:cNvCxnSpPr/>
+              <p:nvPr/>
+            </p:nvCxnSpPr>
+            <p:spPr>
+              <a:xfrm rot="10800000" flipV="1">
+                <a:off x="4143372" y="3290168"/>
+                <a:ext cx="500066" cy="138832"/>
+              </a:xfrm>
+              <a:prstGeom prst="bentConnector3">
+                <a:avLst>
+                  <a:gd name="adj1" fmla="val 50000"/>
+                </a:avLst>
+              </a:prstGeom>
+              <a:ln w="28575">
+                <a:tailEnd type="arrow"/>
+              </a:ln>
+            </p:spPr>
+            <p:style>
+              <a:lnRef idx="1">
+                <a:schemeClr val="accent1"/>
+              </a:lnRef>
+              <a:fillRef idx="0">
+                <a:schemeClr val="accent1"/>
+              </a:fillRef>
+              <a:effectRef idx="0">
+                <a:schemeClr val="accent1"/>
+              </a:effectRef>
+              <a:fontRef idx="minor">
+                <a:schemeClr val="tx1"/>
+              </a:fontRef>
+            </p:style>
+          </p:cxnSp>
+          <p:sp>
+            <p:nvSpPr>
+              <p:cNvPr id="51" name="50 Elipse"/>
+              <p:cNvSpPr/>
+              <p:nvPr/>
+            </p:nvSpPr>
+            <p:spPr>
+              <a:xfrm>
+                <a:off x="3714744" y="2571745"/>
+                <a:ext cx="571504" cy="285752"/>
+              </a:xfrm>
+              <a:prstGeom prst="ellipse">
+                <a:avLst/>
+              </a:prstGeom>
+              <a:solidFill>
+                <a:srgbClr val="FF0000"/>
+              </a:solidFill>
+              <a:ln>
+                <a:solidFill>
+                  <a:srgbClr val="C00000"/>
+                </a:solidFill>
+              </a:ln>
+            </p:spPr>
+            <p:style>
+              <a:lnRef idx="2">
+                <a:schemeClr val="accent1">
+                  <a:shade val="50000"/>
+                </a:schemeClr>
+              </a:lnRef>
+              <a:fillRef idx="1">
+                <a:schemeClr val="accent1"/>
+              </a:fillRef>
+              <a:effectRef idx="0">
+                <a:schemeClr val="accent1"/>
+              </a:effectRef>
+              <a:fontRef idx="minor">
+                <a:schemeClr val="lt1"/>
+              </a:fontRef>
+            </p:style>
+            <p:txBody>
+              <a:bodyPr rtlCol="0" anchor="ctr"/>
+              <a:lstStyle/>
+              <a:p>
+                <a:pPr algn="ctr"/>
+                <a:r>
+                  <a:rPr lang="es-ES" dirty="0" smtClean="0"/>
+                  <a:t>Br</a:t>
+                </a:r>
+                <a:endParaRPr lang="es-ES" dirty="0"/>
+              </a:p>
+            </p:txBody>
+          </p:sp>
+          <p:cxnSp>
+            <p:nvCxnSpPr>
+              <p:cNvPr id="52" name="51 Conector recto de flecha"/>
+              <p:cNvCxnSpPr/>
+              <p:nvPr/>
+            </p:nvCxnSpPr>
+            <p:spPr>
+              <a:xfrm rot="16200000" flipH="1">
+                <a:off x="3645688" y="2355047"/>
+                <a:ext cx="431828" cy="7965"/>
+              </a:xfrm>
+              <a:prstGeom prst="straightConnector1">
+                <a:avLst/>
+              </a:prstGeom>
+              <a:ln>
+                <a:solidFill>
+                  <a:srgbClr val="FF0000"/>
+                </a:solidFill>
+                <a:tailEnd type="arrow"/>
+              </a:ln>
+            </p:spPr>
+            <p:style>
+              <a:lnRef idx="1">
+                <a:schemeClr val="accent1"/>
+              </a:lnRef>
+              <a:fillRef idx="0">
+                <a:schemeClr val="accent1"/>
+              </a:fillRef>
+              <a:effectRef idx="0">
+                <a:schemeClr val="accent1"/>
+              </a:effectRef>
+              <a:fontRef idx="minor">
+                <a:schemeClr val="tx1"/>
+              </a:fontRef>
+            </p:style>
+          </p:cxnSp>
+          <p:cxnSp>
+            <p:nvCxnSpPr>
+              <p:cNvPr id="55" name="54 Conector recto"/>
+              <p:cNvCxnSpPr/>
+              <p:nvPr/>
+            </p:nvCxnSpPr>
+            <p:spPr>
+              <a:xfrm flipV="1">
+                <a:off x="4071934" y="2357430"/>
+                <a:ext cx="357190" cy="2"/>
+              </a:xfrm>
+              <a:prstGeom prst="line">
+                <a:avLst/>
+              </a:prstGeom>
+              <a:ln>
+                <a:solidFill>
+                  <a:srgbClr val="FF0000"/>
+                </a:solidFill>
+              </a:ln>
+            </p:spPr>
+            <p:style>
+              <a:lnRef idx="1">
+                <a:schemeClr val="accent1"/>
+              </a:lnRef>
+              <a:fillRef idx="0">
+                <a:schemeClr val="accent1"/>
+              </a:fillRef>
+              <a:effectRef idx="0">
+                <a:schemeClr val="accent1"/>
+              </a:effectRef>
+              <a:fontRef idx="minor">
+                <a:schemeClr val="tx1"/>
+              </a:fontRef>
+            </p:style>
+          </p:cxnSp>
+          <p:cxnSp>
+            <p:nvCxnSpPr>
+              <p:cNvPr id="56" name="55 Conector recto de flecha"/>
+              <p:cNvCxnSpPr/>
+              <p:nvPr/>
+            </p:nvCxnSpPr>
+            <p:spPr>
+              <a:xfrm rot="16200000" flipH="1">
+                <a:off x="3971128" y="2458237"/>
+                <a:ext cx="204810" cy="3198"/>
+              </a:xfrm>
+              <a:prstGeom prst="straightConnector1">
+                <a:avLst/>
+              </a:prstGeom>
+              <a:ln>
+                <a:solidFill>
+                  <a:srgbClr val="FF0000"/>
+                </a:solidFill>
+                <a:tailEnd type="arrow"/>
+              </a:ln>
+            </p:spPr>
+            <p:style>
+              <a:lnRef idx="1">
+                <a:schemeClr val="accent1"/>
+              </a:lnRef>
+              <a:fillRef idx="0">
+                <a:schemeClr val="accent1"/>
+              </a:fillRef>
+              <a:effectRef idx="0">
+                <a:schemeClr val="accent1"/>
+              </a:effectRef>
+              <a:fontRef idx="minor">
+                <a:schemeClr val="tx1"/>
+              </a:fontRef>
+            </p:style>
+          </p:cxnSp>
+          <p:cxnSp>
+            <p:nvCxnSpPr>
+              <p:cNvPr id="57" name="56 Conector recto de flecha"/>
+              <p:cNvCxnSpPr/>
+              <p:nvPr/>
+            </p:nvCxnSpPr>
+            <p:spPr>
+              <a:xfrm rot="5400000">
+                <a:off x="3791742" y="3064687"/>
+                <a:ext cx="415944" cy="1564"/>
+              </a:xfrm>
+              <a:prstGeom prst="straightConnector1">
+                <a:avLst/>
+              </a:prstGeom>
+              <a:ln>
+                <a:solidFill>
+                  <a:srgbClr val="FF0000"/>
+                </a:solidFill>
+                <a:tailEnd type="arrow"/>
+              </a:ln>
+            </p:spPr>
+            <p:style>
+              <a:lnRef idx="1">
+                <a:schemeClr val="accent1"/>
+              </a:lnRef>
+              <a:fillRef idx="0">
+                <a:schemeClr val="accent1"/>
+              </a:fillRef>
+              <a:effectRef idx="0">
+                <a:schemeClr val="accent1"/>
+              </a:effectRef>
+              <a:fontRef idx="minor">
+                <a:schemeClr val="tx1"/>
+              </a:fontRef>
+            </p:style>
+          </p:cxnSp>
+          <p:cxnSp>
+            <p:nvCxnSpPr>
+              <p:cNvPr id="87" name="86 Conector recto"/>
+              <p:cNvCxnSpPr/>
+              <p:nvPr/>
+            </p:nvCxnSpPr>
+            <p:spPr>
+              <a:xfrm flipV="1">
+                <a:off x="3857620" y="2143116"/>
+                <a:ext cx="785818" cy="2"/>
+              </a:xfrm>
+              <a:prstGeom prst="line">
+                <a:avLst/>
+              </a:prstGeom>
+              <a:ln>
+                <a:solidFill>
+                  <a:srgbClr val="FF0000"/>
+                </a:solidFill>
+              </a:ln>
+            </p:spPr>
+            <p:style>
+              <a:lnRef idx="1">
+                <a:schemeClr val="accent1"/>
+              </a:lnRef>
+              <a:fillRef idx="0">
+                <a:schemeClr val="accent1"/>
+              </a:fillRef>
+              <a:effectRef idx="0">
+                <a:schemeClr val="accent1"/>
+              </a:effectRef>
+              <a:fontRef idx="minor">
+                <a:schemeClr val="tx1"/>
+              </a:fontRef>
+            </p:style>
+          </p:cxnSp>
+        </p:grpSp>
+      </p:grpSp>
+      <p:sp>
+        <p:nvSpPr>
+          <p:cNvPr id="99" name="98 CuadroTexto"/>
+          <p:cNvSpPr txBox="1"/>
+          <p:nvPr/>
+        </p:nvSpPr>
+        <p:spPr>
+          <a:xfrm>
+            <a:off x="1785918" y="3571876"/>
+            <a:ext cx="1074525" cy="369332"/>
+          </a:xfrm>
+          <a:prstGeom prst="rect">
+            <a:avLst/>
+          </a:prstGeom>
+          <a:noFill/>
+        </p:spPr>
+        <p:txBody>
+          <a:bodyPr wrap="none" rtlCol="0">
+            <a:spAutoFit/>
+          </a:bodyPr>
+          <a:lstStyle/>
+          <a:p>
+            <a:r>
+              <a:rPr lang="es-ES" dirty="0" smtClean="0"/>
+              <a:t>&lt;</a:t>
+            </a:r>
+            <a:r>
+              <a:rPr lang="es-ES" dirty="0" err="1" smtClean="0"/>
+              <a:t>PC_reg</a:t>
+            </a:r>
+            <a:r>
+              <a:rPr lang="es-ES" dirty="0" smtClean="0"/>
+              <a:t>&gt;</a:t>
+            </a:r>
+            <a:endParaRPr lang="es-ES" dirty="0"/>
+          </a:p>
+        </p:txBody>
+      </p:sp>
+      <p:sp>
+        <p:nvSpPr>
+          <p:cNvPr id="100" name="99 CuadroTexto"/>
+          <p:cNvSpPr txBox="1"/>
+          <p:nvPr/>
+        </p:nvSpPr>
+        <p:spPr>
+          <a:xfrm>
+            <a:off x="5457822" y="3152775"/>
+            <a:ext cx="1425455" cy="369332"/>
+          </a:xfrm>
+          <a:prstGeom prst="rect">
+            <a:avLst/>
+          </a:prstGeom>
+          <a:noFill/>
+        </p:spPr>
+        <p:txBody>
+          <a:bodyPr wrap="none" rtlCol="0">
+            <a:spAutoFit/>
+          </a:bodyPr>
+          <a:lstStyle/>
+          <a:p>
+            <a:r>
+              <a:rPr lang="es-ES" dirty="0" smtClean="0"/>
+              <a:t>&lt;</a:t>
+            </a:r>
+            <a:r>
+              <a:rPr lang="es-ES" dirty="0" err="1" smtClean="0"/>
+              <a:t>PC_Branch</a:t>
+            </a:r>
+            <a:r>
+              <a:rPr lang="es-ES" dirty="0" smtClean="0"/>
+              <a:t>&gt;</a:t>
+            </a:r>
+            <a:endParaRPr lang="es-ES" dirty="0"/>
+          </a:p>
+        </p:txBody>
+      </p:sp>
+      <p:sp>
+        <p:nvSpPr>
+          <p:cNvPr id="101" name="100 CuadroTexto"/>
+          <p:cNvSpPr txBox="1"/>
+          <p:nvPr/>
+        </p:nvSpPr>
+        <p:spPr>
+          <a:xfrm>
+            <a:off x="5572132" y="3786190"/>
+            <a:ext cx="889987" cy="369332"/>
+          </a:xfrm>
+          <a:prstGeom prst="rect">
+            <a:avLst/>
+          </a:prstGeom>
+          <a:noFill/>
+        </p:spPr>
+        <p:txBody>
+          <a:bodyPr wrap="none" rtlCol="0">
+            <a:spAutoFit/>
+          </a:bodyPr>
+          <a:lstStyle/>
+          <a:p>
+            <a:r>
+              <a:rPr lang="es-ES" dirty="0" smtClean="0"/>
+              <a:t>&lt;PC_4&gt;</a:t>
+            </a:r>
+            <a:endParaRPr lang="es-ES" dirty="0"/>
+          </a:p>
+        </p:txBody>
+      </p:sp>
+      <p:sp>
+        <p:nvSpPr>
+          <p:cNvPr id="102" name="101 CuadroTexto"/>
+          <p:cNvSpPr txBox="1"/>
+          <p:nvPr/>
+        </p:nvSpPr>
+        <p:spPr>
+          <a:xfrm>
+            <a:off x="5643570" y="2000240"/>
+            <a:ext cx="1371850" cy="307777"/>
+          </a:xfrm>
+          <a:prstGeom prst="rect">
+            <a:avLst/>
+          </a:prstGeom>
+          <a:noFill/>
+        </p:spPr>
+        <p:txBody>
+          <a:bodyPr wrap="none" rtlCol="0">
+            <a:spAutoFit/>
+          </a:bodyPr>
+          <a:lstStyle/>
+          <a:p>
+            <a:r>
+              <a:rPr lang="es-ES" sz="1400" dirty="0" smtClean="0">
+                <a:solidFill>
+                  <a:srgbClr val="FF0000"/>
+                </a:solidFill>
+              </a:rPr>
+              <a:t>&lt;</a:t>
+            </a:r>
+            <a:r>
+              <a:rPr lang="es-ES" sz="1400" dirty="0" err="1" smtClean="0">
+                <a:solidFill>
+                  <a:srgbClr val="FF0000"/>
+                </a:solidFill>
+              </a:rPr>
+              <a:t>ctr_ALU_flags</a:t>
+            </a:r>
+            <a:r>
+              <a:rPr lang="es-ES" sz="1400" dirty="0" smtClean="0">
+                <a:solidFill>
+                  <a:srgbClr val="FF0000"/>
+                </a:solidFill>
+              </a:rPr>
+              <a:t>&gt;</a:t>
+            </a:r>
+            <a:endParaRPr lang="es-ES" sz="1400" dirty="0">
+              <a:solidFill>
+                <a:srgbClr val="FF0000"/>
+              </a:solidFill>
+            </a:endParaRPr>
+          </a:p>
+        </p:txBody>
+      </p:sp>
+      <p:sp>
+        <p:nvSpPr>
+          <p:cNvPr id="103" name="102 CuadroTexto"/>
+          <p:cNvSpPr txBox="1"/>
+          <p:nvPr/>
+        </p:nvSpPr>
+        <p:spPr>
+          <a:xfrm>
+            <a:off x="6072198" y="1714488"/>
+            <a:ext cx="1260410" cy="307777"/>
+          </a:xfrm>
+          <a:prstGeom prst="rect">
+            <a:avLst/>
+          </a:prstGeom>
+          <a:noFill/>
+        </p:spPr>
+        <p:txBody>
+          <a:bodyPr wrap="none" rtlCol="0">
+            <a:spAutoFit/>
+          </a:bodyPr>
+          <a:lstStyle/>
+          <a:p>
+            <a:r>
+              <a:rPr lang="es-ES" sz="1400" dirty="0" smtClean="0">
+                <a:solidFill>
+                  <a:srgbClr val="FF0000"/>
+                </a:solidFill>
+              </a:rPr>
+              <a:t>&lt;</a:t>
+            </a:r>
+            <a:r>
+              <a:rPr lang="es-ES" sz="1400" dirty="0" err="1" smtClean="0">
+                <a:solidFill>
+                  <a:srgbClr val="FF0000"/>
+                </a:solidFill>
+              </a:rPr>
+              <a:t>ctr_Br_cond</a:t>
+            </a:r>
+            <a:r>
+              <a:rPr lang="es-ES" sz="1400" dirty="0" smtClean="0">
+                <a:solidFill>
+                  <a:srgbClr val="FF0000"/>
+                </a:solidFill>
+              </a:rPr>
+              <a:t>&gt;</a:t>
+            </a:r>
+            <a:endParaRPr lang="es-ES" sz="1400" dirty="0">
+              <a:solidFill>
+                <a:srgbClr val="FF0000"/>
+              </a:solidFill>
+            </a:endParaRPr>
+          </a:p>
+        </p:txBody>
+      </p:sp>
+      <p:sp>
+        <p:nvSpPr>
+          <p:cNvPr id="104" name="103 CuadroTexto"/>
+          <p:cNvSpPr txBox="1"/>
+          <p:nvPr/>
+        </p:nvSpPr>
+        <p:spPr>
+          <a:xfrm>
+            <a:off x="3545679" y="3540919"/>
+            <a:ext cx="1071570" cy="338554"/>
+          </a:xfrm>
+          <a:prstGeom prst="rect">
+            <a:avLst/>
+          </a:prstGeom>
+          <a:noFill/>
+        </p:spPr>
+        <p:txBody>
+          <a:bodyPr wrap="square" rtlCol="0">
+            <a:spAutoFit/>
+          </a:bodyPr>
+          <a:lstStyle/>
+          <a:p>
+            <a:r>
+              <a:rPr lang="es-ES" sz="1600" dirty="0" smtClean="0"/>
+              <a:t>&lt;</a:t>
+            </a:r>
+            <a:r>
+              <a:rPr lang="es-ES" sz="1600" dirty="0" err="1" smtClean="0"/>
+              <a:t>PC_next</a:t>
+            </a:r>
+            <a:r>
+              <a:rPr lang="es-ES" sz="1600" dirty="0" smtClean="0"/>
+              <a:t>&gt;</a:t>
+            </a:r>
+            <a:endParaRPr lang="es-ES" sz="1600" dirty="0"/>
+          </a:p>
+        </p:txBody>
+      </p:sp>
+      <p:sp>
+        <p:nvSpPr>
+          <p:cNvPr id="105" name="104 CuadroTexto"/>
+          <p:cNvSpPr txBox="1"/>
+          <p:nvPr/>
+        </p:nvSpPr>
+        <p:spPr>
+          <a:xfrm>
+            <a:off x="4000496" y="3000372"/>
+            <a:ext cx="809837" cy="307777"/>
+          </a:xfrm>
+          <a:prstGeom prst="rect">
+            <a:avLst/>
+          </a:prstGeom>
+          <a:noFill/>
+        </p:spPr>
+        <p:txBody>
+          <a:bodyPr wrap="none" rtlCol="0">
+            <a:spAutoFit/>
+          </a:bodyPr>
+          <a:lstStyle/>
+          <a:p>
+            <a:r>
+              <a:rPr lang="es-ES" sz="1400" dirty="0" smtClean="0">
+                <a:solidFill>
+                  <a:srgbClr val="FF0000"/>
+                </a:solidFill>
+              </a:rPr>
+              <a:t>&lt;</a:t>
+            </a:r>
+            <a:r>
+              <a:rPr lang="es-ES" sz="1400" dirty="0" err="1" smtClean="0">
+                <a:solidFill>
+                  <a:srgbClr val="FF0000"/>
+                </a:solidFill>
+              </a:rPr>
+              <a:t>ctr_br</a:t>
+            </a:r>
+            <a:r>
+              <a:rPr lang="es-ES" sz="1400" dirty="0" smtClean="0">
+                <a:solidFill>
+                  <a:srgbClr val="FF0000"/>
+                </a:solidFill>
+              </a:rPr>
+              <a:t>&gt;</a:t>
+            </a:r>
+            <a:endParaRPr lang="es-ES" sz="1400" dirty="0">
+              <a:solidFill>
+                <a:srgbClr val="FF0000"/>
+              </a:solidFill>
+            </a:endParaRPr>
+          </a:p>
+        </p:txBody>
+      </p:sp>
+    </p:spTree>
+  </p:cSld>
+  <p:clrMapOvr>
+    <a:masterClrMapping/>
+  </p:clrMapOvr>
+</p:sld>
+</file>
+
+<file path=ppt/slides/slide7.xml><?xml version="1.0" encoding="utf-8"?>
 <p:sld xmlns:a="http://schemas.openxmlformats.org/drawingml/2006/main" xmlns:r="http://schemas.openxmlformats.org/officeDocument/2006/relationships" xmlns:p="http://schemas.openxmlformats.org/presentationml/2006/main">
   <p:cSld>
     <p:spTree>
